--- a/Python/EmpowHer - Python Curriculum.pptx
+++ b/Python/EmpowHer - Python Curriculum.pptx
@@ -7,29 +7,7 @@
   <p:sldIdLst>
     <p:sldId id="256" r:id="rId5"/>
     <p:sldId id="257" r:id="rId6"/>
-    <p:sldId id="258" r:id="rId7"/>
-    <p:sldId id="7635" r:id="rId8"/>
-    <p:sldId id="7639" r:id="rId9"/>
-    <p:sldId id="7638" r:id="rId10"/>
-    <p:sldId id="7640" r:id="rId11"/>
-    <p:sldId id="260" r:id="rId12"/>
-    <p:sldId id="261" r:id="rId13"/>
-    <p:sldId id="262" r:id="rId14"/>
-    <p:sldId id="263" r:id="rId15"/>
-    <p:sldId id="264" r:id="rId16"/>
-    <p:sldId id="265" r:id="rId17"/>
-    <p:sldId id="266" r:id="rId18"/>
-    <p:sldId id="267" r:id="rId19"/>
-    <p:sldId id="268" r:id="rId20"/>
-    <p:sldId id="269" r:id="rId21"/>
-    <p:sldId id="270" r:id="rId22"/>
-    <p:sldId id="271" r:id="rId23"/>
-    <p:sldId id="272" r:id="rId24"/>
-    <p:sldId id="273" r:id="rId25"/>
-    <p:sldId id="274" r:id="rId26"/>
-    <p:sldId id="275" r:id="rId27"/>
-    <p:sldId id="276" r:id="rId28"/>
-    <p:sldId id="277" r:id="rId29"/>
+    <p:sldId id="277" r:id="rId7"/>
   </p:sldIdLst>
   <p:sldSz cx="12192000" cy="6858000"/>
   <p:notesSz cx="6858000" cy="9144000"/>
@@ -135,28 +113,6 @@
           <p14:sldIdLst>
             <p14:sldId id="256"/>
             <p14:sldId id="257"/>
-            <p14:sldId id="258"/>
-            <p14:sldId id="7635"/>
-            <p14:sldId id="7639"/>
-            <p14:sldId id="7638"/>
-            <p14:sldId id="7640"/>
-            <p14:sldId id="260"/>
-            <p14:sldId id="261"/>
-            <p14:sldId id="262"/>
-            <p14:sldId id="263"/>
-            <p14:sldId id="264"/>
-            <p14:sldId id="265"/>
-            <p14:sldId id="266"/>
-            <p14:sldId id="267"/>
-            <p14:sldId id="268"/>
-            <p14:sldId id="269"/>
-            <p14:sldId id="270"/>
-            <p14:sldId id="271"/>
-            <p14:sldId id="272"/>
-            <p14:sldId id="273"/>
-            <p14:sldId id="274"/>
-            <p14:sldId id="275"/>
-            <p14:sldId id="276"/>
           </p14:sldIdLst>
         </p14:section>
         <p14:section name="Appendix" id="{9DA01A38-0DDC-4898-B9B5-FF14306FA11D}">
@@ -171,6 +127,199 @@
     </p:ext>
   </p:extLst>
 </p:presentation>
+</file>
+
+<file path=ppt/changesInfos/changesInfo1.xml><?xml version="1.0" encoding="utf-8"?>
+<pc:chgInfo xmlns:a="http://schemas.openxmlformats.org/drawingml/2006/main" xmlns:r="http://schemas.openxmlformats.org/officeDocument/2006/relationships" xmlns:ac="http://schemas.microsoft.com/office/drawing/2013/main/command" xmlns:pc="http://schemas.microsoft.com/office/powerpoint/2013/main/command">
+  <pc:docChgLst>
+    <pc:chgData name="Shravan Nambiar (MIS)" userId="d37abbe0-bc6f-4a0a-bb8e-8e712b95c605" providerId="ADAL" clId="{8C9DB472-5233-497F-B313-CE1455B2CE4B}"/>
+    <pc:docChg chg="custSel delSld modSld modSection">
+      <pc:chgData name="Shravan Nambiar (MIS)" userId="d37abbe0-bc6f-4a0a-bb8e-8e712b95c605" providerId="ADAL" clId="{8C9DB472-5233-497F-B313-CE1455B2CE4B}" dt="2023-07-27T12:24:36.852" v="140" actId="47"/>
+      <pc:docMkLst>
+        <pc:docMk/>
+      </pc:docMkLst>
+      <pc:sldChg chg="modSp mod">
+        <pc:chgData name="Shravan Nambiar (MIS)" userId="d37abbe0-bc6f-4a0a-bb8e-8e712b95c605" providerId="ADAL" clId="{8C9DB472-5233-497F-B313-CE1455B2CE4B}" dt="2023-07-27T12:21:36.108" v="8" actId="20577"/>
+        <pc:sldMkLst>
+          <pc:docMk/>
+          <pc:sldMk cId="2533666835" sldId="256"/>
+        </pc:sldMkLst>
+        <pc:spChg chg="mod">
+          <ac:chgData name="Shravan Nambiar (MIS)" userId="d37abbe0-bc6f-4a0a-bb8e-8e712b95c605" providerId="ADAL" clId="{8C9DB472-5233-497F-B313-CE1455B2CE4B}" dt="2023-07-27T12:21:36.108" v="8" actId="20577"/>
+          <ac:spMkLst>
+            <pc:docMk/>
+            <pc:sldMk cId="2533666835" sldId="256"/>
+            <ac:spMk id="3" creationId="{8D2C3A2B-BE1A-77EC-7892-9DC418B74FD3}"/>
+          </ac:spMkLst>
+        </pc:spChg>
+      </pc:sldChg>
+      <pc:sldChg chg="delSp modSp mod">
+        <pc:chgData name="Shravan Nambiar (MIS)" userId="d37abbe0-bc6f-4a0a-bb8e-8e712b95c605" providerId="ADAL" clId="{8C9DB472-5233-497F-B313-CE1455B2CE4B}" dt="2023-07-27T12:24:20.520" v="139" actId="20577"/>
+        <pc:sldMkLst>
+          <pc:docMk/>
+          <pc:sldMk cId="4042171032" sldId="257"/>
+        </pc:sldMkLst>
+        <pc:spChg chg="mod">
+          <ac:chgData name="Shravan Nambiar (MIS)" userId="d37abbe0-bc6f-4a0a-bb8e-8e712b95c605" providerId="ADAL" clId="{8C9DB472-5233-497F-B313-CE1455B2CE4B}" dt="2023-07-27T12:21:29.929" v="2" actId="20577"/>
+          <ac:spMkLst>
+            <pc:docMk/>
+            <pc:sldMk cId="4042171032" sldId="257"/>
+            <ac:spMk id="2" creationId="{590A3669-FC20-A360-44D8-83789DD6BEE5}"/>
+          </ac:spMkLst>
+        </pc:spChg>
+        <pc:spChg chg="mod">
+          <ac:chgData name="Shravan Nambiar (MIS)" userId="d37abbe0-bc6f-4a0a-bb8e-8e712b95c605" providerId="ADAL" clId="{8C9DB472-5233-497F-B313-CE1455B2CE4B}" dt="2023-07-27T12:24:20.520" v="139" actId="20577"/>
+          <ac:spMkLst>
+            <pc:docMk/>
+            <pc:sldMk cId="4042171032" sldId="257"/>
+            <ac:spMk id="3" creationId="{68FDFF87-6288-B2D0-832B-42615EAC0407}"/>
+          </ac:spMkLst>
+        </pc:spChg>
+        <pc:spChg chg="del">
+          <ac:chgData name="Shravan Nambiar (MIS)" userId="d37abbe0-bc6f-4a0a-bb8e-8e712b95c605" providerId="ADAL" clId="{8C9DB472-5233-497F-B313-CE1455B2CE4B}" dt="2023-07-27T12:22:34.297" v="136" actId="478"/>
+          <ac:spMkLst>
+            <pc:docMk/>
+            <pc:sldMk cId="4042171032" sldId="257"/>
+            <ac:spMk id="5" creationId="{0843ACC8-8F59-AB25-5917-A890086600CC}"/>
+          </ac:spMkLst>
+        </pc:spChg>
+      </pc:sldChg>
+      <pc:sldChg chg="del">
+        <pc:chgData name="Shravan Nambiar (MIS)" userId="d37abbe0-bc6f-4a0a-bb8e-8e712b95c605" providerId="ADAL" clId="{8C9DB472-5233-497F-B313-CE1455B2CE4B}" dt="2023-07-27T12:24:36.852" v="140" actId="47"/>
+        <pc:sldMkLst>
+          <pc:docMk/>
+          <pc:sldMk cId="2864670378" sldId="258"/>
+        </pc:sldMkLst>
+      </pc:sldChg>
+      <pc:sldChg chg="del">
+        <pc:chgData name="Shravan Nambiar (MIS)" userId="d37abbe0-bc6f-4a0a-bb8e-8e712b95c605" providerId="ADAL" clId="{8C9DB472-5233-497F-B313-CE1455B2CE4B}" dt="2023-07-27T12:24:36.852" v="140" actId="47"/>
+        <pc:sldMkLst>
+          <pc:docMk/>
+          <pc:sldMk cId="1064155873" sldId="259"/>
+        </pc:sldMkLst>
+      </pc:sldChg>
+      <pc:sldChg chg="del">
+        <pc:chgData name="Shravan Nambiar (MIS)" userId="d37abbe0-bc6f-4a0a-bb8e-8e712b95c605" providerId="ADAL" clId="{8C9DB472-5233-497F-B313-CE1455B2CE4B}" dt="2023-07-27T12:24:36.852" v="140" actId="47"/>
+        <pc:sldMkLst>
+          <pc:docMk/>
+          <pc:sldMk cId="1523986440" sldId="260"/>
+        </pc:sldMkLst>
+      </pc:sldChg>
+      <pc:sldChg chg="del">
+        <pc:chgData name="Shravan Nambiar (MIS)" userId="d37abbe0-bc6f-4a0a-bb8e-8e712b95c605" providerId="ADAL" clId="{8C9DB472-5233-497F-B313-CE1455B2CE4B}" dt="2023-07-27T12:24:36.852" v="140" actId="47"/>
+        <pc:sldMkLst>
+          <pc:docMk/>
+          <pc:sldMk cId="3498668593" sldId="261"/>
+        </pc:sldMkLst>
+      </pc:sldChg>
+      <pc:sldChg chg="del">
+        <pc:chgData name="Shravan Nambiar (MIS)" userId="d37abbe0-bc6f-4a0a-bb8e-8e712b95c605" providerId="ADAL" clId="{8C9DB472-5233-497F-B313-CE1455B2CE4B}" dt="2023-07-27T12:24:36.852" v="140" actId="47"/>
+        <pc:sldMkLst>
+          <pc:docMk/>
+          <pc:sldMk cId="2588383368" sldId="262"/>
+        </pc:sldMkLst>
+      </pc:sldChg>
+      <pc:sldChg chg="del">
+        <pc:chgData name="Shravan Nambiar (MIS)" userId="d37abbe0-bc6f-4a0a-bb8e-8e712b95c605" providerId="ADAL" clId="{8C9DB472-5233-497F-B313-CE1455B2CE4B}" dt="2023-07-27T12:24:36.852" v="140" actId="47"/>
+        <pc:sldMkLst>
+          <pc:docMk/>
+          <pc:sldMk cId="3223900660" sldId="263"/>
+        </pc:sldMkLst>
+      </pc:sldChg>
+      <pc:sldChg chg="del">
+        <pc:chgData name="Shravan Nambiar (MIS)" userId="d37abbe0-bc6f-4a0a-bb8e-8e712b95c605" providerId="ADAL" clId="{8C9DB472-5233-497F-B313-CE1455B2CE4B}" dt="2023-07-27T12:24:36.852" v="140" actId="47"/>
+        <pc:sldMkLst>
+          <pc:docMk/>
+          <pc:sldMk cId="2182428975" sldId="264"/>
+        </pc:sldMkLst>
+      </pc:sldChg>
+      <pc:sldChg chg="del">
+        <pc:chgData name="Shravan Nambiar (MIS)" userId="d37abbe0-bc6f-4a0a-bb8e-8e712b95c605" providerId="ADAL" clId="{8C9DB472-5233-497F-B313-CE1455B2CE4B}" dt="2023-07-27T12:24:36.852" v="140" actId="47"/>
+        <pc:sldMkLst>
+          <pc:docMk/>
+          <pc:sldMk cId="1340554221" sldId="265"/>
+        </pc:sldMkLst>
+      </pc:sldChg>
+      <pc:sldChg chg="del">
+        <pc:chgData name="Shravan Nambiar (MIS)" userId="d37abbe0-bc6f-4a0a-bb8e-8e712b95c605" providerId="ADAL" clId="{8C9DB472-5233-497F-B313-CE1455B2CE4B}" dt="2023-07-27T12:24:36.852" v="140" actId="47"/>
+        <pc:sldMkLst>
+          <pc:docMk/>
+          <pc:sldMk cId="4127273390" sldId="266"/>
+        </pc:sldMkLst>
+      </pc:sldChg>
+      <pc:sldChg chg="del">
+        <pc:chgData name="Shravan Nambiar (MIS)" userId="d37abbe0-bc6f-4a0a-bb8e-8e712b95c605" providerId="ADAL" clId="{8C9DB472-5233-497F-B313-CE1455B2CE4B}" dt="2023-07-27T12:24:36.852" v="140" actId="47"/>
+        <pc:sldMkLst>
+          <pc:docMk/>
+          <pc:sldMk cId="4219410970" sldId="267"/>
+        </pc:sldMkLst>
+      </pc:sldChg>
+      <pc:sldChg chg="del">
+        <pc:chgData name="Shravan Nambiar (MIS)" userId="d37abbe0-bc6f-4a0a-bb8e-8e712b95c605" providerId="ADAL" clId="{8C9DB472-5233-497F-B313-CE1455B2CE4B}" dt="2023-07-27T12:24:36.852" v="140" actId="47"/>
+        <pc:sldMkLst>
+          <pc:docMk/>
+          <pc:sldMk cId="2328161356" sldId="268"/>
+        </pc:sldMkLst>
+      </pc:sldChg>
+      <pc:sldChg chg="del">
+        <pc:chgData name="Shravan Nambiar (MIS)" userId="d37abbe0-bc6f-4a0a-bb8e-8e712b95c605" providerId="ADAL" clId="{8C9DB472-5233-497F-B313-CE1455B2CE4B}" dt="2023-07-27T12:24:36.852" v="140" actId="47"/>
+        <pc:sldMkLst>
+          <pc:docMk/>
+          <pc:sldMk cId="890890472" sldId="269"/>
+        </pc:sldMkLst>
+      </pc:sldChg>
+      <pc:sldChg chg="del">
+        <pc:chgData name="Shravan Nambiar (MIS)" userId="d37abbe0-bc6f-4a0a-bb8e-8e712b95c605" providerId="ADAL" clId="{8C9DB472-5233-497F-B313-CE1455B2CE4B}" dt="2023-07-27T12:24:36.852" v="140" actId="47"/>
+        <pc:sldMkLst>
+          <pc:docMk/>
+          <pc:sldMk cId="4020267788" sldId="270"/>
+        </pc:sldMkLst>
+      </pc:sldChg>
+      <pc:sldChg chg="del">
+        <pc:chgData name="Shravan Nambiar (MIS)" userId="d37abbe0-bc6f-4a0a-bb8e-8e712b95c605" providerId="ADAL" clId="{8C9DB472-5233-497F-B313-CE1455B2CE4B}" dt="2023-07-27T12:24:36.852" v="140" actId="47"/>
+        <pc:sldMkLst>
+          <pc:docMk/>
+          <pc:sldMk cId="1621637293" sldId="271"/>
+        </pc:sldMkLst>
+      </pc:sldChg>
+      <pc:sldChg chg="del">
+        <pc:chgData name="Shravan Nambiar (MIS)" userId="d37abbe0-bc6f-4a0a-bb8e-8e712b95c605" providerId="ADAL" clId="{8C9DB472-5233-497F-B313-CE1455B2CE4B}" dt="2023-07-27T12:24:36.852" v="140" actId="47"/>
+        <pc:sldMkLst>
+          <pc:docMk/>
+          <pc:sldMk cId="3492977779" sldId="272"/>
+        </pc:sldMkLst>
+      </pc:sldChg>
+      <pc:sldChg chg="del">
+        <pc:chgData name="Shravan Nambiar (MIS)" userId="d37abbe0-bc6f-4a0a-bb8e-8e712b95c605" providerId="ADAL" clId="{8C9DB472-5233-497F-B313-CE1455B2CE4B}" dt="2023-07-27T12:24:36.852" v="140" actId="47"/>
+        <pc:sldMkLst>
+          <pc:docMk/>
+          <pc:sldMk cId="3409202409" sldId="273"/>
+        </pc:sldMkLst>
+      </pc:sldChg>
+      <pc:sldChg chg="del">
+        <pc:chgData name="Shravan Nambiar (MIS)" userId="d37abbe0-bc6f-4a0a-bb8e-8e712b95c605" providerId="ADAL" clId="{8C9DB472-5233-497F-B313-CE1455B2CE4B}" dt="2023-07-27T12:24:36.852" v="140" actId="47"/>
+        <pc:sldMkLst>
+          <pc:docMk/>
+          <pc:sldMk cId="3407516488" sldId="274"/>
+        </pc:sldMkLst>
+      </pc:sldChg>
+      <pc:sldChg chg="del">
+        <pc:chgData name="Shravan Nambiar (MIS)" userId="d37abbe0-bc6f-4a0a-bb8e-8e712b95c605" providerId="ADAL" clId="{8C9DB472-5233-497F-B313-CE1455B2CE4B}" dt="2023-07-27T12:24:36.852" v="140" actId="47"/>
+        <pc:sldMkLst>
+          <pc:docMk/>
+          <pc:sldMk cId="760017415" sldId="275"/>
+        </pc:sldMkLst>
+      </pc:sldChg>
+      <pc:sldChg chg="del">
+        <pc:chgData name="Shravan Nambiar (MIS)" userId="d37abbe0-bc6f-4a0a-bb8e-8e712b95c605" providerId="ADAL" clId="{8C9DB472-5233-497F-B313-CE1455B2CE4B}" dt="2023-07-27T12:24:36.852" v="140" actId="47"/>
+        <pc:sldMkLst>
+          <pc:docMk/>
+          <pc:sldMk cId="1442676294" sldId="276"/>
+        </pc:sldMkLst>
+      </pc:sldChg>
+    </pc:docChg>
+  </pc:docChgLst>
+</pc:chgInfo>
 </file>
 
 <file path=ppt/slideLayouts/slideLayout1.xml><?xml version="1.0" encoding="utf-8"?>
@@ -796,446 +945,6 @@
     <p:extLst>
       <p:ext uri="{BB962C8B-B14F-4D97-AF65-F5344CB8AC3E}">
         <p14:creationId xmlns:p14="http://schemas.microsoft.com/office/powerpoint/2010/main" val="704502537"/>
-      </p:ext>
-    </p:extLst>
-  </p:cSld>
-  <p:clrMapOvr>
-    <a:masterClrMapping/>
-  </p:clrMapOvr>
-</p:sldLayout>
-</file>
-
-<file path=ppt/slideLayouts/slideLayout12.xml><?xml version="1.0" encoding="utf-8"?>
-<p:sldLayout xmlns:a="http://schemas.openxmlformats.org/drawingml/2006/main" xmlns:r="http://schemas.openxmlformats.org/officeDocument/2006/relationships" xmlns:p="http://schemas.openxmlformats.org/presentationml/2006/main" userDrawn="1">
-  <p:cSld name="Title &amp; Content (ONE COL)">
-    <p:spTree>
-      <p:nvGrpSpPr>
-        <p:cNvPr id="1" name=""/>
-        <p:cNvGrpSpPr/>
-        <p:nvPr/>
-      </p:nvGrpSpPr>
-      <p:grpSpPr>
-        <a:xfrm>
-          <a:off x="0" y="0"/>
-          <a:ext cx="0" cy="0"/>
-          <a:chOff x="0" y="0"/>
-          <a:chExt cx="0" cy="0"/>
-        </a:xfrm>
-      </p:grpSpPr>
-      <p:sp>
-        <p:nvSpPr>
-          <p:cNvPr id="3" name="Content Placeholder 2"/>
-          <p:cNvSpPr>
-            <a:spLocks noGrp="1"/>
-          </p:cNvSpPr>
-          <p:nvPr>
-            <p:ph idx="1"/>
-          </p:nvPr>
-        </p:nvSpPr>
-        <p:spPr>
-          <a:xfrm>
-            <a:off x="479424" y="1828801"/>
-            <a:ext cx="11268075" cy="4114800"/>
-          </a:xfrm>
-        </p:spPr>
-        <p:txBody>
-          <a:bodyPr numCol="1">
-            <a:noAutofit/>
-          </a:bodyPr>
-          <a:lstStyle>
-            <a:lvl1pPr marL="0" marR="0" indent="0" algn="l" defTabSz="914400" rtl="0" eaLnBrk="1" fontAlgn="auto" latinLnBrk="0" hangingPunct="1">
-              <a:lnSpc>
-                <a:spcPct val="100000"/>
-              </a:lnSpc>
-              <a:spcBef>
-                <a:spcPts val="1800"/>
-              </a:spcBef>
-              <a:spcAft>
-                <a:spcPts val="0"/>
-              </a:spcAft>
-              <a:buClr>
-                <a:srgbClr val="0028A0"/>
-              </a:buClr>
-              <a:buSzTx/>
-              <a:buFont typeface="Arial" panose="020B0604020202020204" pitchFamily="34" charset="0"/>
-              <a:buNone/>
-              <a:tabLst/>
-              <a:defRPr/>
-            </a:lvl1pPr>
-            <a:lvl2pPr marL="288925" marR="0" indent="-288925" algn="l" defTabSz="914400" rtl="0" eaLnBrk="1" fontAlgn="auto" latinLnBrk="0" hangingPunct="1">
-              <a:lnSpc>
-                <a:spcPct val="100000"/>
-              </a:lnSpc>
-              <a:spcBef>
-                <a:spcPts val="1200"/>
-              </a:spcBef>
-              <a:spcAft>
-                <a:spcPts val="0"/>
-              </a:spcAft>
-              <a:buClr>
-                <a:srgbClr val="009FDF"/>
-              </a:buClr>
-              <a:buSzTx/>
-              <a:buFont typeface="Arial" panose="020B0604020202020204" pitchFamily="34" charset="0"/>
-              <a:buChar char="»"/>
-              <a:tabLst/>
-              <a:defRPr/>
-            </a:lvl2pPr>
-            <a:lvl3pPr marL="517525" marR="0" indent="-284163" algn="l" defTabSz="914400" rtl="0" eaLnBrk="1" fontAlgn="auto" latinLnBrk="0" hangingPunct="1">
-              <a:lnSpc>
-                <a:spcPct val="100000"/>
-              </a:lnSpc>
-              <a:spcBef>
-                <a:spcPts val="1200"/>
-              </a:spcBef>
-              <a:spcAft>
-                <a:spcPts val="0"/>
-              </a:spcAft>
-              <a:buClr>
-                <a:srgbClr val="009FDF"/>
-              </a:buClr>
-              <a:buSzTx/>
-              <a:buFont typeface="Arial" panose="020B0604020202020204" pitchFamily="34" charset="0"/>
-              <a:buChar char="–"/>
-              <a:tabLst/>
-              <a:defRPr/>
-            </a:lvl3pPr>
-            <a:lvl4pPr marL="746125" marR="0" indent="-290513" algn="l" defTabSz="914400" rtl="0" eaLnBrk="1" fontAlgn="auto" latinLnBrk="0" hangingPunct="1">
-              <a:lnSpc>
-                <a:spcPct val="100000"/>
-              </a:lnSpc>
-              <a:spcBef>
-                <a:spcPts val="1200"/>
-              </a:spcBef>
-              <a:spcAft>
-                <a:spcPts val="0"/>
-              </a:spcAft>
-              <a:buClr>
-                <a:srgbClr val="009FDF"/>
-              </a:buClr>
-              <a:buSzTx/>
-              <a:buFont typeface="Arial" panose="020B0604020202020204" pitchFamily="34" charset="0"/>
-              <a:buChar char="›"/>
-              <a:tabLst/>
-              <a:defRPr/>
-            </a:lvl4pPr>
-            <a:lvl5pPr marL="974725" marR="0" indent="-288925" algn="l" defTabSz="914400" rtl="0" eaLnBrk="1" fontAlgn="auto" latinLnBrk="0" hangingPunct="1">
-              <a:lnSpc>
-                <a:spcPct val="100000"/>
-              </a:lnSpc>
-              <a:spcBef>
-                <a:spcPts val="1200"/>
-              </a:spcBef>
-              <a:spcAft>
-                <a:spcPts val="0"/>
-              </a:spcAft>
-              <a:buClr>
-                <a:srgbClr val="009FDF"/>
-              </a:buClr>
-              <a:buSzTx/>
-              <a:buFont typeface="Arial" panose="020B0604020202020204" pitchFamily="34" charset="0"/>
-              <a:buChar char="-"/>
-              <a:tabLst/>
-              <a:defRPr/>
-            </a:lvl5pPr>
-          </a:lstStyle>
-          <a:p>
-            <a:pPr marL="0" marR="0" lvl="0" indent="0" algn="l" defTabSz="914400" rtl="0" eaLnBrk="1" fontAlgn="auto" latinLnBrk="0" hangingPunct="1">
-              <a:lnSpc>
-                <a:spcPct val="100000"/>
-              </a:lnSpc>
-              <a:spcBef>
-                <a:spcPts val="1200"/>
-              </a:spcBef>
-              <a:spcAft>
-                <a:spcPts val="0"/>
-              </a:spcAft>
-              <a:buClr>
-                <a:srgbClr val="0028A0"/>
-              </a:buClr>
-              <a:buSzTx/>
-              <a:buFont typeface="Arial" panose="020B0604020202020204" pitchFamily="34" charset="0"/>
-              <a:buNone/>
-              <a:tabLst/>
-              <a:defRPr/>
-            </a:pPr>
-            <a:r>
-              <a:rPr kumimoji="0" lang="en-US" sz="2800" b="0" i="0" u="none" strike="noStrike" kern="1200" cap="none" spc="0" normalizeH="0" baseline="0" noProof="0">
-                <a:ln>
-                  <a:noFill/>
-                </a:ln>
-                <a:solidFill>
-                  <a:srgbClr val="000000"/>
-                </a:solidFill>
-                <a:effectLst/>
-                <a:uLnTx/>
-                <a:uFillTx/>
-                <a:latin typeface="+mn-lt"/>
-                <a:ea typeface="+mn-ea"/>
-                <a:cs typeface="+mn-cs"/>
-              </a:rPr>
-              <a:t>Click to edit Master text styles</a:t>
-            </a:r>
-          </a:p>
-          <a:p>
-            <a:pPr marL="0" marR="0" lvl="1" indent="0" algn="l" defTabSz="914400" rtl="0" eaLnBrk="1" fontAlgn="auto" latinLnBrk="0" hangingPunct="1">
-              <a:lnSpc>
-                <a:spcPct val="100000"/>
-              </a:lnSpc>
-              <a:spcBef>
-                <a:spcPts val="1200"/>
-              </a:spcBef>
-              <a:spcAft>
-                <a:spcPts val="0"/>
-              </a:spcAft>
-              <a:buClr>
-                <a:srgbClr val="0028A0"/>
-              </a:buClr>
-              <a:buSzTx/>
-              <a:buFont typeface="Arial" panose="020B0604020202020204" pitchFamily="34" charset="0"/>
-              <a:buNone/>
-              <a:tabLst/>
-              <a:defRPr/>
-            </a:pPr>
-            <a:r>
-              <a:rPr kumimoji="0" lang="en-US" sz="2800" b="0" i="0" u="none" strike="noStrike" kern="1200" cap="none" spc="0" normalizeH="0" baseline="0" noProof="0">
-                <a:ln>
-                  <a:noFill/>
-                </a:ln>
-                <a:solidFill>
-                  <a:srgbClr val="000000"/>
-                </a:solidFill>
-                <a:effectLst/>
-                <a:uLnTx/>
-                <a:uFillTx/>
-                <a:latin typeface="+mn-lt"/>
-                <a:ea typeface="+mn-ea"/>
-                <a:cs typeface="+mn-cs"/>
-              </a:rPr>
-              <a:t>Second level</a:t>
-            </a:r>
-          </a:p>
-          <a:p>
-            <a:pPr marL="0" marR="0" lvl="2" indent="0" algn="l" defTabSz="914400" rtl="0" eaLnBrk="1" fontAlgn="auto" latinLnBrk="0" hangingPunct="1">
-              <a:lnSpc>
-                <a:spcPct val="100000"/>
-              </a:lnSpc>
-              <a:spcBef>
-                <a:spcPts val="1200"/>
-              </a:spcBef>
-              <a:spcAft>
-                <a:spcPts val="0"/>
-              </a:spcAft>
-              <a:buClr>
-                <a:srgbClr val="0028A0"/>
-              </a:buClr>
-              <a:buSzTx/>
-              <a:buFont typeface="Arial" panose="020B0604020202020204" pitchFamily="34" charset="0"/>
-              <a:buNone/>
-              <a:tabLst/>
-              <a:defRPr/>
-            </a:pPr>
-            <a:r>
-              <a:rPr kumimoji="0" lang="en-US" sz="2800" b="0" i="0" u="none" strike="noStrike" kern="1200" cap="none" spc="0" normalizeH="0" baseline="0" noProof="0">
-                <a:ln>
-                  <a:noFill/>
-                </a:ln>
-                <a:solidFill>
-                  <a:srgbClr val="000000"/>
-                </a:solidFill>
-                <a:effectLst/>
-                <a:uLnTx/>
-                <a:uFillTx/>
-                <a:latin typeface="+mn-lt"/>
-                <a:ea typeface="+mn-ea"/>
-                <a:cs typeface="+mn-cs"/>
-              </a:rPr>
-              <a:t>Third level</a:t>
-            </a:r>
-          </a:p>
-          <a:p>
-            <a:pPr marL="0" marR="0" lvl="3" indent="0" algn="l" defTabSz="914400" rtl="0" eaLnBrk="1" fontAlgn="auto" latinLnBrk="0" hangingPunct="1">
-              <a:lnSpc>
-                <a:spcPct val="100000"/>
-              </a:lnSpc>
-              <a:spcBef>
-                <a:spcPts val="1200"/>
-              </a:spcBef>
-              <a:spcAft>
-                <a:spcPts val="0"/>
-              </a:spcAft>
-              <a:buClr>
-                <a:srgbClr val="0028A0"/>
-              </a:buClr>
-              <a:buSzTx/>
-              <a:buFont typeface="Arial" panose="020B0604020202020204" pitchFamily="34" charset="0"/>
-              <a:buNone/>
-              <a:tabLst/>
-              <a:defRPr/>
-            </a:pPr>
-            <a:r>
-              <a:rPr kumimoji="0" lang="en-US" sz="2800" b="0" i="0" u="none" strike="noStrike" kern="1200" cap="none" spc="0" normalizeH="0" baseline="0" noProof="0">
-                <a:ln>
-                  <a:noFill/>
-                </a:ln>
-                <a:solidFill>
-                  <a:srgbClr val="000000"/>
-                </a:solidFill>
-                <a:effectLst/>
-                <a:uLnTx/>
-                <a:uFillTx/>
-                <a:latin typeface="+mn-lt"/>
-                <a:ea typeface="+mn-ea"/>
-                <a:cs typeface="+mn-cs"/>
-              </a:rPr>
-              <a:t>Fourth level</a:t>
-            </a:r>
-          </a:p>
-          <a:p>
-            <a:pPr marL="0" marR="0" lvl="4" indent="0" algn="l" defTabSz="914400" rtl="0" eaLnBrk="1" fontAlgn="auto" latinLnBrk="0" hangingPunct="1">
-              <a:lnSpc>
-                <a:spcPct val="100000"/>
-              </a:lnSpc>
-              <a:spcBef>
-                <a:spcPts val="1200"/>
-              </a:spcBef>
-              <a:spcAft>
-                <a:spcPts val="0"/>
-              </a:spcAft>
-              <a:buClr>
-                <a:srgbClr val="0028A0"/>
-              </a:buClr>
-              <a:buSzTx/>
-              <a:buFont typeface="Arial" panose="020B0604020202020204" pitchFamily="34" charset="0"/>
-              <a:buNone/>
-              <a:tabLst/>
-              <a:defRPr/>
-            </a:pPr>
-            <a:r>
-              <a:rPr kumimoji="0" lang="en-US" sz="2800" b="0" i="0" u="none" strike="noStrike" kern="1200" cap="none" spc="0" normalizeH="0" baseline="0" noProof="0">
-                <a:ln>
-                  <a:noFill/>
-                </a:ln>
-                <a:solidFill>
-                  <a:srgbClr val="000000"/>
-                </a:solidFill>
-                <a:effectLst/>
-                <a:uLnTx/>
-                <a:uFillTx/>
-                <a:latin typeface="+mn-lt"/>
-                <a:ea typeface="+mn-ea"/>
-                <a:cs typeface="+mn-cs"/>
-              </a:rPr>
-              <a:t>Fifth level</a:t>
-            </a:r>
-            <a:endParaRPr kumimoji="0" lang="en-US" sz="2000" b="0" i="0" u="none" strike="noStrike" kern="1200" cap="none" spc="0" normalizeH="0" baseline="0" noProof="0" dirty="0">
-              <a:ln>
-                <a:noFill/>
-              </a:ln>
-              <a:solidFill>
-                <a:srgbClr val="000000"/>
-              </a:solidFill>
-              <a:effectLst/>
-              <a:uLnTx/>
-              <a:uFillTx/>
-              <a:latin typeface="+mn-lt"/>
-              <a:ea typeface="+mn-ea"/>
-              <a:cs typeface="+mn-cs"/>
-            </a:endParaRPr>
-          </a:p>
-        </p:txBody>
-      </p:sp>
-      <p:sp>
-        <p:nvSpPr>
-          <p:cNvPr id="4" name="Text Placeholder 3"/>
-          <p:cNvSpPr>
-            <a:spLocks noGrp="1"/>
-          </p:cNvSpPr>
-          <p:nvPr>
-            <p:ph type="body" sz="quarter" idx="10"/>
-          </p:nvPr>
-        </p:nvSpPr>
-        <p:spPr>
-          <a:xfrm>
-            <a:off x="479425" y="1080373"/>
-            <a:ext cx="11268074" cy="430887"/>
-          </a:xfrm>
-        </p:spPr>
-        <p:txBody>
-          <a:bodyPr wrap="square" numCol="1">
-            <a:spAutoFit/>
-          </a:bodyPr>
-          <a:lstStyle>
-            <a:lvl1pPr>
-              <a:lnSpc>
-                <a:spcPct val="100000"/>
-              </a:lnSpc>
-              <a:spcBef>
-                <a:spcPts val="0"/>
-              </a:spcBef>
-              <a:defRPr sz="2800">
-                <a:solidFill>
-                  <a:schemeClr val="bg2">
-                    <a:lumMod val="65000"/>
-                    <a:lumOff val="35000"/>
-                  </a:schemeClr>
-                </a:solidFill>
-              </a:defRPr>
-            </a:lvl1pPr>
-            <a:lvl2pPr>
-              <a:defRPr sz="2400"/>
-            </a:lvl2pPr>
-            <a:lvl3pPr>
-              <a:defRPr sz="2400"/>
-            </a:lvl3pPr>
-            <a:lvl4pPr>
-              <a:defRPr sz="2400"/>
-            </a:lvl4pPr>
-            <a:lvl5pPr>
-              <a:defRPr sz="2400"/>
-            </a:lvl5pPr>
-          </a:lstStyle>
-          <a:p>
-            <a:pPr lvl="0"/>
-            <a:r>
-              <a:rPr lang="en-US"/>
-              <a:t>Click to edit Master text styles</a:t>
-            </a:r>
-          </a:p>
-        </p:txBody>
-      </p:sp>
-      <p:sp>
-        <p:nvSpPr>
-          <p:cNvPr id="2" name="Title 1"/>
-          <p:cNvSpPr>
-            <a:spLocks noGrp="1"/>
-          </p:cNvSpPr>
-          <p:nvPr>
-            <p:ph type="title"/>
-          </p:nvPr>
-        </p:nvSpPr>
-        <p:spPr>
-          <a:xfrm>
-            <a:off x="479424" y="457200"/>
-            <a:ext cx="11268075" cy="615553"/>
-          </a:xfrm>
-        </p:spPr>
-        <p:txBody>
-          <a:bodyPr/>
-          <a:lstStyle/>
-          <a:p>
-            <a:r>
-              <a:rPr lang="en-US"/>
-              <a:t>Click to edit Master title style</a:t>
-            </a:r>
-            <a:endParaRPr lang="en-US" dirty="0"/>
-          </a:p>
-        </p:txBody>
-      </p:sp>
-    </p:spTree>
-    <p:extLst>
-      <p:ext uri="{BB962C8B-B14F-4D97-AF65-F5344CB8AC3E}">
-        <p14:creationId xmlns:p14="http://schemas.microsoft.com/office/powerpoint/2010/main" val="2620361091"/>
       </p:ext>
     </p:extLst>
   </p:cSld>
@@ -3547,7 +3256,6 @@
     <p:sldLayoutId id="2147483657" r:id="rId9"/>
     <p:sldLayoutId id="2147483658" r:id="rId10"/>
     <p:sldLayoutId id="2147483659" r:id="rId11"/>
-    <p:sldLayoutId id="2147483660" r:id="rId12"/>
   </p:sldLayoutIdLst>
   <p:txStyles>
     <p:titleStyle>
@@ -3939,1231 +3647,6 @@
 </p:sld>
 </file>
 
-<file path=ppt/slides/slide10.xml><?xml version="1.0" encoding="utf-8"?>
-<p:sld xmlns:a="http://schemas.openxmlformats.org/drawingml/2006/main" xmlns:r="http://schemas.openxmlformats.org/officeDocument/2006/relationships" xmlns:p="http://schemas.openxmlformats.org/presentationml/2006/main">
-  <p:cSld>
-    <p:spTree>
-      <p:nvGrpSpPr>
-        <p:cNvPr id="1" name=""/>
-        <p:cNvGrpSpPr/>
-        <p:nvPr/>
-      </p:nvGrpSpPr>
-      <p:grpSpPr>
-        <a:xfrm>
-          <a:off x="0" y="0"/>
-          <a:ext cx="0" cy="0"/>
-          <a:chOff x="0" y="0"/>
-          <a:chExt cx="0" cy="0"/>
-        </a:xfrm>
-      </p:grpSpPr>
-      <p:sp>
-        <p:nvSpPr>
-          <p:cNvPr id="2" name="Title 1">
-            <a:extLst>
-              <a:ext uri="{FF2B5EF4-FFF2-40B4-BE49-F238E27FC236}">
-                <a16:creationId xmlns:a16="http://schemas.microsoft.com/office/drawing/2014/main" id="{590A3669-FC20-A360-44D8-83789DD6BEE5}"/>
-              </a:ext>
-            </a:extLst>
-          </p:cNvPr>
-          <p:cNvSpPr>
-            <a:spLocks noGrp="1"/>
-          </p:cNvSpPr>
-          <p:nvPr>
-            <p:ph type="title"/>
-          </p:nvPr>
-        </p:nvSpPr>
-        <p:spPr/>
-        <p:txBody>
-          <a:bodyPr/>
-          <a:lstStyle/>
-          <a:p>
-            <a:r>
-              <a:rPr lang="en-US" dirty="0">
-                <a:cs typeface="Calibri" panose="020F0502020204030204" pitchFamily="34" charset="0"/>
-              </a:rPr>
-              <a:t>Topic Week 3</a:t>
-            </a:r>
-            <a:endParaRPr lang="en-IN" dirty="0"/>
-          </a:p>
-        </p:txBody>
-      </p:sp>
-      <p:sp>
-        <p:nvSpPr>
-          <p:cNvPr id="3" name="Content Placeholder 2">
-            <a:extLst>
-              <a:ext uri="{FF2B5EF4-FFF2-40B4-BE49-F238E27FC236}">
-                <a16:creationId xmlns:a16="http://schemas.microsoft.com/office/drawing/2014/main" id="{68FDFF87-6288-B2D0-832B-42615EAC0407}"/>
-              </a:ext>
-            </a:extLst>
-          </p:cNvPr>
-          <p:cNvSpPr>
-            <a:spLocks noGrp="1"/>
-          </p:cNvSpPr>
-          <p:nvPr>
-            <p:ph idx="1"/>
-          </p:nvPr>
-        </p:nvSpPr>
-        <p:spPr/>
-        <p:txBody>
-          <a:bodyPr/>
-          <a:lstStyle/>
-          <a:p>
-            <a:endParaRPr lang="en-IN"/>
-          </a:p>
-        </p:txBody>
-      </p:sp>
-    </p:spTree>
-    <p:extLst>
-      <p:ext uri="{BB962C8B-B14F-4D97-AF65-F5344CB8AC3E}">
-        <p14:creationId xmlns:p14="http://schemas.microsoft.com/office/powerpoint/2010/main" val="2588383368"/>
-      </p:ext>
-    </p:extLst>
-  </p:cSld>
-  <p:clrMapOvr>
-    <a:masterClrMapping/>
-  </p:clrMapOvr>
-</p:sld>
-</file>
-
-<file path=ppt/slides/slide11.xml><?xml version="1.0" encoding="utf-8"?>
-<p:sld xmlns:a="http://schemas.openxmlformats.org/drawingml/2006/main" xmlns:r="http://schemas.openxmlformats.org/officeDocument/2006/relationships" xmlns:p="http://schemas.openxmlformats.org/presentationml/2006/main">
-  <p:cSld>
-    <p:spTree>
-      <p:nvGrpSpPr>
-        <p:cNvPr id="1" name=""/>
-        <p:cNvGrpSpPr/>
-        <p:nvPr/>
-      </p:nvGrpSpPr>
-      <p:grpSpPr>
-        <a:xfrm>
-          <a:off x="0" y="0"/>
-          <a:ext cx="0" cy="0"/>
-          <a:chOff x="0" y="0"/>
-          <a:chExt cx="0" cy="0"/>
-        </a:xfrm>
-      </p:grpSpPr>
-      <p:sp>
-        <p:nvSpPr>
-          <p:cNvPr id="2" name="Title 1">
-            <a:extLst>
-              <a:ext uri="{FF2B5EF4-FFF2-40B4-BE49-F238E27FC236}">
-                <a16:creationId xmlns:a16="http://schemas.microsoft.com/office/drawing/2014/main" id="{590A3669-FC20-A360-44D8-83789DD6BEE5}"/>
-              </a:ext>
-            </a:extLst>
-          </p:cNvPr>
-          <p:cNvSpPr>
-            <a:spLocks noGrp="1"/>
-          </p:cNvSpPr>
-          <p:nvPr>
-            <p:ph type="title"/>
-          </p:nvPr>
-        </p:nvSpPr>
-        <p:spPr/>
-        <p:txBody>
-          <a:bodyPr/>
-          <a:lstStyle/>
-          <a:p>
-            <a:r>
-              <a:rPr lang="en-US" dirty="0">
-                <a:cs typeface="Calibri" panose="020F0502020204030204" pitchFamily="34" charset="0"/>
-              </a:rPr>
-              <a:t>Agenda Week 4</a:t>
-            </a:r>
-            <a:endParaRPr lang="en-IN" dirty="0"/>
-          </a:p>
-        </p:txBody>
-      </p:sp>
-      <p:sp>
-        <p:nvSpPr>
-          <p:cNvPr id="3" name="Content Placeholder 2">
-            <a:extLst>
-              <a:ext uri="{FF2B5EF4-FFF2-40B4-BE49-F238E27FC236}">
-                <a16:creationId xmlns:a16="http://schemas.microsoft.com/office/drawing/2014/main" id="{68FDFF87-6288-B2D0-832B-42615EAC0407}"/>
-              </a:ext>
-            </a:extLst>
-          </p:cNvPr>
-          <p:cNvSpPr>
-            <a:spLocks noGrp="1"/>
-          </p:cNvSpPr>
-          <p:nvPr>
-            <p:ph idx="1"/>
-          </p:nvPr>
-        </p:nvSpPr>
-        <p:spPr/>
-        <p:txBody>
-          <a:bodyPr/>
-          <a:lstStyle/>
-          <a:p>
-            <a:endParaRPr lang="en-IN"/>
-          </a:p>
-        </p:txBody>
-      </p:sp>
-      <p:sp>
-        <p:nvSpPr>
-          <p:cNvPr id="4" name="Rectangle 3">
-            <a:extLst>
-              <a:ext uri="{FF2B5EF4-FFF2-40B4-BE49-F238E27FC236}">
-                <a16:creationId xmlns:a16="http://schemas.microsoft.com/office/drawing/2014/main" id="{EC47D179-8BF3-6AAA-4414-38B45E51865E}"/>
-              </a:ext>
-            </a:extLst>
-          </p:cNvPr>
-          <p:cNvSpPr/>
-          <p:nvPr/>
-        </p:nvSpPr>
-        <p:spPr>
-          <a:xfrm>
-            <a:off x="8203272" y="4162960"/>
-            <a:ext cx="2907587" cy="1746607"/>
-          </a:xfrm>
-          <a:prstGeom prst="rect">
-            <a:avLst/>
-          </a:prstGeom>
-          <a:solidFill>
-            <a:schemeClr val="accent2"/>
-          </a:solidFill>
-          <a:ln>
-            <a:noFill/>
-          </a:ln>
-        </p:spPr>
-        <p:style>
-          <a:lnRef idx="2">
-            <a:schemeClr val="accent1">
-              <a:shade val="50000"/>
-            </a:schemeClr>
-          </a:lnRef>
-          <a:fillRef idx="1">
-            <a:schemeClr val="accent1"/>
-          </a:fillRef>
-          <a:effectRef idx="0">
-            <a:schemeClr val="accent1"/>
-          </a:effectRef>
-          <a:fontRef idx="minor">
-            <a:schemeClr val="lt1"/>
-          </a:fontRef>
-        </p:style>
-        <p:txBody>
-          <a:bodyPr rtlCol="0" anchor="ctr"/>
-          <a:lstStyle/>
-          <a:p>
-            <a:r>
-              <a:rPr lang="en-US" dirty="0"/>
-              <a:t>Tip: Use infographics,</a:t>
-            </a:r>
-          </a:p>
-          <a:p>
-            <a:r>
-              <a:rPr lang="en-US" dirty="0"/>
-              <a:t>Smart Art,</a:t>
-            </a:r>
-          </a:p>
-          <a:p>
-            <a:r>
-              <a:rPr lang="en-US" dirty="0"/>
-              <a:t>Images/Screens,</a:t>
-            </a:r>
-          </a:p>
-          <a:p>
-            <a:r>
-              <a:rPr lang="en-US" dirty="0"/>
-              <a:t>Embed relevant learning videos/case study</a:t>
-            </a:r>
-            <a:endParaRPr lang="en-IN" dirty="0"/>
-          </a:p>
-        </p:txBody>
-      </p:sp>
-    </p:spTree>
-    <p:extLst>
-      <p:ext uri="{BB962C8B-B14F-4D97-AF65-F5344CB8AC3E}">
-        <p14:creationId xmlns:p14="http://schemas.microsoft.com/office/powerpoint/2010/main" val="3223900660"/>
-      </p:ext>
-    </p:extLst>
-  </p:cSld>
-  <p:clrMapOvr>
-    <a:masterClrMapping/>
-  </p:clrMapOvr>
-</p:sld>
-</file>
-
-<file path=ppt/slides/slide12.xml><?xml version="1.0" encoding="utf-8"?>
-<p:sld xmlns:a="http://schemas.openxmlformats.org/drawingml/2006/main" xmlns:r="http://schemas.openxmlformats.org/officeDocument/2006/relationships" xmlns:p="http://schemas.openxmlformats.org/presentationml/2006/main">
-  <p:cSld>
-    <p:spTree>
-      <p:nvGrpSpPr>
-        <p:cNvPr id="1" name=""/>
-        <p:cNvGrpSpPr/>
-        <p:nvPr/>
-      </p:nvGrpSpPr>
-      <p:grpSpPr>
-        <a:xfrm>
-          <a:off x="0" y="0"/>
-          <a:ext cx="0" cy="0"/>
-          <a:chOff x="0" y="0"/>
-          <a:chExt cx="0" cy="0"/>
-        </a:xfrm>
-      </p:grpSpPr>
-      <p:sp>
-        <p:nvSpPr>
-          <p:cNvPr id="2" name="Title 1">
-            <a:extLst>
-              <a:ext uri="{FF2B5EF4-FFF2-40B4-BE49-F238E27FC236}">
-                <a16:creationId xmlns:a16="http://schemas.microsoft.com/office/drawing/2014/main" id="{590A3669-FC20-A360-44D8-83789DD6BEE5}"/>
-              </a:ext>
-            </a:extLst>
-          </p:cNvPr>
-          <p:cNvSpPr>
-            <a:spLocks noGrp="1"/>
-          </p:cNvSpPr>
-          <p:nvPr>
-            <p:ph type="title"/>
-          </p:nvPr>
-        </p:nvSpPr>
-        <p:spPr/>
-        <p:txBody>
-          <a:bodyPr/>
-          <a:lstStyle/>
-          <a:p>
-            <a:r>
-              <a:rPr lang="en-US" dirty="0">
-                <a:cs typeface="Calibri" panose="020F0502020204030204" pitchFamily="34" charset="0"/>
-              </a:rPr>
-              <a:t>Topic Week 4</a:t>
-            </a:r>
-            <a:endParaRPr lang="en-IN" dirty="0"/>
-          </a:p>
-        </p:txBody>
-      </p:sp>
-      <p:sp>
-        <p:nvSpPr>
-          <p:cNvPr id="3" name="Content Placeholder 2">
-            <a:extLst>
-              <a:ext uri="{FF2B5EF4-FFF2-40B4-BE49-F238E27FC236}">
-                <a16:creationId xmlns:a16="http://schemas.microsoft.com/office/drawing/2014/main" id="{68FDFF87-6288-B2D0-832B-42615EAC0407}"/>
-              </a:ext>
-            </a:extLst>
-          </p:cNvPr>
-          <p:cNvSpPr>
-            <a:spLocks noGrp="1"/>
-          </p:cNvSpPr>
-          <p:nvPr>
-            <p:ph idx="1"/>
-          </p:nvPr>
-        </p:nvSpPr>
-        <p:spPr/>
-        <p:txBody>
-          <a:bodyPr/>
-          <a:lstStyle/>
-          <a:p>
-            <a:endParaRPr lang="en-IN"/>
-          </a:p>
-        </p:txBody>
-      </p:sp>
-    </p:spTree>
-    <p:extLst>
-      <p:ext uri="{BB962C8B-B14F-4D97-AF65-F5344CB8AC3E}">
-        <p14:creationId xmlns:p14="http://schemas.microsoft.com/office/powerpoint/2010/main" val="2182428975"/>
-      </p:ext>
-    </p:extLst>
-  </p:cSld>
-  <p:clrMapOvr>
-    <a:masterClrMapping/>
-  </p:clrMapOvr>
-</p:sld>
-</file>
-
-<file path=ppt/slides/slide13.xml><?xml version="1.0" encoding="utf-8"?>
-<p:sld xmlns:a="http://schemas.openxmlformats.org/drawingml/2006/main" xmlns:r="http://schemas.openxmlformats.org/officeDocument/2006/relationships" xmlns:p="http://schemas.openxmlformats.org/presentationml/2006/main">
-  <p:cSld>
-    <p:spTree>
-      <p:nvGrpSpPr>
-        <p:cNvPr id="1" name=""/>
-        <p:cNvGrpSpPr/>
-        <p:nvPr/>
-      </p:nvGrpSpPr>
-      <p:grpSpPr>
-        <a:xfrm>
-          <a:off x="0" y="0"/>
-          <a:ext cx="0" cy="0"/>
-          <a:chOff x="0" y="0"/>
-          <a:chExt cx="0" cy="0"/>
-        </a:xfrm>
-      </p:grpSpPr>
-      <p:sp>
-        <p:nvSpPr>
-          <p:cNvPr id="2" name="Title 1">
-            <a:extLst>
-              <a:ext uri="{FF2B5EF4-FFF2-40B4-BE49-F238E27FC236}">
-                <a16:creationId xmlns:a16="http://schemas.microsoft.com/office/drawing/2014/main" id="{590A3669-FC20-A360-44D8-83789DD6BEE5}"/>
-              </a:ext>
-            </a:extLst>
-          </p:cNvPr>
-          <p:cNvSpPr>
-            <a:spLocks noGrp="1"/>
-          </p:cNvSpPr>
-          <p:nvPr>
-            <p:ph type="title"/>
-          </p:nvPr>
-        </p:nvSpPr>
-        <p:spPr/>
-        <p:txBody>
-          <a:bodyPr/>
-          <a:lstStyle/>
-          <a:p>
-            <a:r>
-              <a:rPr lang="en-US" dirty="0">
-                <a:cs typeface="Calibri" panose="020F0502020204030204" pitchFamily="34" charset="0"/>
-              </a:rPr>
-              <a:t>Agenda Week 5</a:t>
-            </a:r>
-            <a:endParaRPr lang="en-IN" dirty="0"/>
-          </a:p>
-        </p:txBody>
-      </p:sp>
-      <p:sp>
-        <p:nvSpPr>
-          <p:cNvPr id="3" name="Content Placeholder 2">
-            <a:extLst>
-              <a:ext uri="{FF2B5EF4-FFF2-40B4-BE49-F238E27FC236}">
-                <a16:creationId xmlns:a16="http://schemas.microsoft.com/office/drawing/2014/main" id="{68FDFF87-6288-B2D0-832B-42615EAC0407}"/>
-              </a:ext>
-            </a:extLst>
-          </p:cNvPr>
-          <p:cNvSpPr>
-            <a:spLocks noGrp="1"/>
-          </p:cNvSpPr>
-          <p:nvPr>
-            <p:ph idx="1"/>
-          </p:nvPr>
-        </p:nvSpPr>
-        <p:spPr/>
-        <p:txBody>
-          <a:bodyPr/>
-          <a:lstStyle/>
-          <a:p>
-            <a:endParaRPr lang="en-IN"/>
-          </a:p>
-        </p:txBody>
-      </p:sp>
-      <p:sp>
-        <p:nvSpPr>
-          <p:cNvPr id="4" name="Rectangle 3">
-            <a:extLst>
-              <a:ext uri="{FF2B5EF4-FFF2-40B4-BE49-F238E27FC236}">
-                <a16:creationId xmlns:a16="http://schemas.microsoft.com/office/drawing/2014/main" id="{2152422A-D418-C68E-2BF6-62F9FA5A0F33}"/>
-              </a:ext>
-            </a:extLst>
-          </p:cNvPr>
-          <p:cNvSpPr/>
-          <p:nvPr/>
-        </p:nvSpPr>
-        <p:spPr>
-          <a:xfrm>
-            <a:off x="8203272" y="4162960"/>
-            <a:ext cx="2907587" cy="1746607"/>
-          </a:xfrm>
-          <a:prstGeom prst="rect">
-            <a:avLst/>
-          </a:prstGeom>
-          <a:solidFill>
-            <a:schemeClr val="accent2"/>
-          </a:solidFill>
-          <a:ln>
-            <a:noFill/>
-          </a:ln>
-        </p:spPr>
-        <p:style>
-          <a:lnRef idx="2">
-            <a:schemeClr val="accent1">
-              <a:shade val="50000"/>
-            </a:schemeClr>
-          </a:lnRef>
-          <a:fillRef idx="1">
-            <a:schemeClr val="accent1"/>
-          </a:fillRef>
-          <a:effectRef idx="0">
-            <a:schemeClr val="accent1"/>
-          </a:effectRef>
-          <a:fontRef idx="minor">
-            <a:schemeClr val="lt1"/>
-          </a:fontRef>
-        </p:style>
-        <p:txBody>
-          <a:bodyPr rtlCol="0" anchor="ctr"/>
-          <a:lstStyle/>
-          <a:p>
-            <a:r>
-              <a:rPr lang="en-US" dirty="0"/>
-              <a:t>Tip: Use infographics,</a:t>
-            </a:r>
-          </a:p>
-          <a:p>
-            <a:r>
-              <a:rPr lang="en-US" dirty="0"/>
-              <a:t>Smart Art,</a:t>
-            </a:r>
-          </a:p>
-          <a:p>
-            <a:r>
-              <a:rPr lang="en-US" dirty="0"/>
-              <a:t>Images/Screens,</a:t>
-            </a:r>
-          </a:p>
-          <a:p>
-            <a:r>
-              <a:rPr lang="en-US" dirty="0"/>
-              <a:t>Embed relevant learning videos/case study</a:t>
-            </a:r>
-            <a:endParaRPr lang="en-IN" dirty="0"/>
-          </a:p>
-        </p:txBody>
-      </p:sp>
-    </p:spTree>
-    <p:extLst>
-      <p:ext uri="{BB962C8B-B14F-4D97-AF65-F5344CB8AC3E}">
-        <p14:creationId xmlns:p14="http://schemas.microsoft.com/office/powerpoint/2010/main" val="1340554221"/>
-      </p:ext>
-    </p:extLst>
-  </p:cSld>
-  <p:clrMapOvr>
-    <a:masterClrMapping/>
-  </p:clrMapOvr>
-</p:sld>
-</file>
-
-<file path=ppt/slides/slide14.xml><?xml version="1.0" encoding="utf-8"?>
-<p:sld xmlns:a="http://schemas.openxmlformats.org/drawingml/2006/main" xmlns:r="http://schemas.openxmlformats.org/officeDocument/2006/relationships" xmlns:p="http://schemas.openxmlformats.org/presentationml/2006/main">
-  <p:cSld>
-    <p:spTree>
-      <p:nvGrpSpPr>
-        <p:cNvPr id="1" name=""/>
-        <p:cNvGrpSpPr/>
-        <p:nvPr/>
-      </p:nvGrpSpPr>
-      <p:grpSpPr>
-        <a:xfrm>
-          <a:off x="0" y="0"/>
-          <a:ext cx="0" cy="0"/>
-          <a:chOff x="0" y="0"/>
-          <a:chExt cx="0" cy="0"/>
-        </a:xfrm>
-      </p:grpSpPr>
-      <p:sp>
-        <p:nvSpPr>
-          <p:cNvPr id="2" name="Title 1">
-            <a:extLst>
-              <a:ext uri="{FF2B5EF4-FFF2-40B4-BE49-F238E27FC236}">
-                <a16:creationId xmlns:a16="http://schemas.microsoft.com/office/drawing/2014/main" id="{590A3669-FC20-A360-44D8-83789DD6BEE5}"/>
-              </a:ext>
-            </a:extLst>
-          </p:cNvPr>
-          <p:cNvSpPr>
-            <a:spLocks noGrp="1"/>
-          </p:cNvSpPr>
-          <p:nvPr>
-            <p:ph type="title"/>
-          </p:nvPr>
-        </p:nvSpPr>
-        <p:spPr/>
-        <p:txBody>
-          <a:bodyPr/>
-          <a:lstStyle/>
-          <a:p>
-            <a:r>
-              <a:rPr lang="en-US" dirty="0">
-                <a:cs typeface="Calibri" panose="020F0502020204030204" pitchFamily="34" charset="0"/>
-              </a:rPr>
-              <a:t>Topic Week 5</a:t>
-            </a:r>
-            <a:endParaRPr lang="en-IN" dirty="0"/>
-          </a:p>
-        </p:txBody>
-      </p:sp>
-      <p:sp>
-        <p:nvSpPr>
-          <p:cNvPr id="3" name="Content Placeholder 2">
-            <a:extLst>
-              <a:ext uri="{FF2B5EF4-FFF2-40B4-BE49-F238E27FC236}">
-                <a16:creationId xmlns:a16="http://schemas.microsoft.com/office/drawing/2014/main" id="{68FDFF87-6288-B2D0-832B-42615EAC0407}"/>
-              </a:ext>
-            </a:extLst>
-          </p:cNvPr>
-          <p:cNvSpPr>
-            <a:spLocks noGrp="1"/>
-          </p:cNvSpPr>
-          <p:nvPr>
-            <p:ph idx="1"/>
-          </p:nvPr>
-        </p:nvSpPr>
-        <p:spPr/>
-        <p:txBody>
-          <a:bodyPr/>
-          <a:lstStyle/>
-          <a:p>
-            <a:endParaRPr lang="en-IN"/>
-          </a:p>
-        </p:txBody>
-      </p:sp>
-    </p:spTree>
-    <p:extLst>
-      <p:ext uri="{BB962C8B-B14F-4D97-AF65-F5344CB8AC3E}">
-        <p14:creationId xmlns:p14="http://schemas.microsoft.com/office/powerpoint/2010/main" val="4127273390"/>
-      </p:ext>
-    </p:extLst>
-  </p:cSld>
-  <p:clrMapOvr>
-    <a:masterClrMapping/>
-  </p:clrMapOvr>
-</p:sld>
-</file>
-
-<file path=ppt/slides/slide15.xml><?xml version="1.0" encoding="utf-8"?>
-<p:sld xmlns:a="http://schemas.openxmlformats.org/drawingml/2006/main" xmlns:r="http://schemas.openxmlformats.org/officeDocument/2006/relationships" xmlns:p="http://schemas.openxmlformats.org/presentationml/2006/main">
-  <p:cSld>
-    <p:spTree>
-      <p:nvGrpSpPr>
-        <p:cNvPr id="1" name=""/>
-        <p:cNvGrpSpPr/>
-        <p:nvPr/>
-      </p:nvGrpSpPr>
-      <p:grpSpPr>
-        <a:xfrm>
-          <a:off x="0" y="0"/>
-          <a:ext cx="0" cy="0"/>
-          <a:chOff x="0" y="0"/>
-          <a:chExt cx="0" cy="0"/>
-        </a:xfrm>
-      </p:grpSpPr>
-      <p:sp>
-        <p:nvSpPr>
-          <p:cNvPr id="2" name="Title 1">
-            <a:extLst>
-              <a:ext uri="{FF2B5EF4-FFF2-40B4-BE49-F238E27FC236}">
-                <a16:creationId xmlns:a16="http://schemas.microsoft.com/office/drawing/2014/main" id="{590A3669-FC20-A360-44D8-83789DD6BEE5}"/>
-              </a:ext>
-            </a:extLst>
-          </p:cNvPr>
-          <p:cNvSpPr>
-            <a:spLocks noGrp="1"/>
-          </p:cNvSpPr>
-          <p:nvPr>
-            <p:ph type="title"/>
-          </p:nvPr>
-        </p:nvSpPr>
-        <p:spPr/>
-        <p:txBody>
-          <a:bodyPr/>
-          <a:lstStyle/>
-          <a:p>
-            <a:r>
-              <a:rPr lang="en-US" dirty="0">
-                <a:cs typeface="Calibri" panose="020F0502020204030204" pitchFamily="34" charset="0"/>
-              </a:rPr>
-              <a:t>Agenda Week 6</a:t>
-            </a:r>
-            <a:endParaRPr lang="en-IN" dirty="0"/>
-          </a:p>
-        </p:txBody>
-      </p:sp>
-      <p:sp>
-        <p:nvSpPr>
-          <p:cNvPr id="3" name="Content Placeholder 2">
-            <a:extLst>
-              <a:ext uri="{FF2B5EF4-FFF2-40B4-BE49-F238E27FC236}">
-                <a16:creationId xmlns:a16="http://schemas.microsoft.com/office/drawing/2014/main" id="{68FDFF87-6288-B2D0-832B-42615EAC0407}"/>
-              </a:ext>
-            </a:extLst>
-          </p:cNvPr>
-          <p:cNvSpPr>
-            <a:spLocks noGrp="1"/>
-          </p:cNvSpPr>
-          <p:nvPr>
-            <p:ph idx="1"/>
-          </p:nvPr>
-        </p:nvSpPr>
-        <p:spPr/>
-        <p:txBody>
-          <a:bodyPr/>
-          <a:lstStyle/>
-          <a:p>
-            <a:endParaRPr lang="en-IN"/>
-          </a:p>
-        </p:txBody>
-      </p:sp>
-      <p:sp>
-        <p:nvSpPr>
-          <p:cNvPr id="4" name="Rectangle 3">
-            <a:extLst>
-              <a:ext uri="{FF2B5EF4-FFF2-40B4-BE49-F238E27FC236}">
-                <a16:creationId xmlns:a16="http://schemas.microsoft.com/office/drawing/2014/main" id="{0FEB1F40-CAA2-2C42-8D93-CA1AC70E5C16}"/>
-              </a:ext>
-            </a:extLst>
-          </p:cNvPr>
-          <p:cNvSpPr/>
-          <p:nvPr/>
-        </p:nvSpPr>
-        <p:spPr>
-          <a:xfrm>
-            <a:off x="8203272" y="4162960"/>
-            <a:ext cx="2907587" cy="1746607"/>
-          </a:xfrm>
-          <a:prstGeom prst="rect">
-            <a:avLst/>
-          </a:prstGeom>
-          <a:solidFill>
-            <a:schemeClr val="accent2"/>
-          </a:solidFill>
-          <a:ln>
-            <a:noFill/>
-          </a:ln>
-        </p:spPr>
-        <p:style>
-          <a:lnRef idx="2">
-            <a:schemeClr val="accent1">
-              <a:shade val="50000"/>
-            </a:schemeClr>
-          </a:lnRef>
-          <a:fillRef idx="1">
-            <a:schemeClr val="accent1"/>
-          </a:fillRef>
-          <a:effectRef idx="0">
-            <a:schemeClr val="accent1"/>
-          </a:effectRef>
-          <a:fontRef idx="minor">
-            <a:schemeClr val="lt1"/>
-          </a:fontRef>
-        </p:style>
-        <p:txBody>
-          <a:bodyPr rtlCol="0" anchor="ctr"/>
-          <a:lstStyle/>
-          <a:p>
-            <a:r>
-              <a:rPr lang="en-US" dirty="0"/>
-              <a:t>Tip: Use infographics,</a:t>
-            </a:r>
-          </a:p>
-          <a:p>
-            <a:r>
-              <a:rPr lang="en-US" dirty="0"/>
-              <a:t>Smart Art,</a:t>
-            </a:r>
-          </a:p>
-          <a:p>
-            <a:r>
-              <a:rPr lang="en-US" dirty="0"/>
-              <a:t>Images/Screens,</a:t>
-            </a:r>
-          </a:p>
-          <a:p>
-            <a:r>
-              <a:rPr lang="en-US" dirty="0"/>
-              <a:t>Embed relevant learning videos/case study</a:t>
-            </a:r>
-            <a:endParaRPr lang="en-IN" dirty="0"/>
-          </a:p>
-        </p:txBody>
-      </p:sp>
-    </p:spTree>
-    <p:extLst>
-      <p:ext uri="{BB962C8B-B14F-4D97-AF65-F5344CB8AC3E}">
-        <p14:creationId xmlns:p14="http://schemas.microsoft.com/office/powerpoint/2010/main" val="4219410970"/>
-      </p:ext>
-    </p:extLst>
-  </p:cSld>
-  <p:clrMapOvr>
-    <a:masterClrMapping/>
-  </p:clrMapOvr>
-</p:sld>
-</file>
-
-<file path=ppt/slides/slide16.xml><?xml version="1.0" encoding="utf-8"?>
-<p:sld xmlns:a="http://schemas.openxmlformats.org/drawingml/2006/main" xmlns:r="http://schemas.openxmlformats.org/officeDocument/2006/relationships" xmlns:p="http://schemas.openxmlformats.org/presentationml/2006/main">
-  <p:cSld>
-    <p:spTree>
-      <p:nvGrpSpPr>
-        <p:cNvPr id="1" name=""/>
-        <p:cNvGrpSpPr/>
-        <p:nvPr/>
-      </p:nvGrpSpPr>
-      <p:grpSpPr>
-        <a:xfrm>
-          <a:off x="0" y="0"/>
-          <a:ext cx="0" cy="0"/>
-          <a:chOff x="0" y="0"/>
-          <a:chExt cx="0" cy="0"/>
-        </a:xfrm>
-      </p:grpSpPr>
-      <p:sp>
-        <p:nvSpPr>
-          <p:cNvPr id="2" name="Title 1">
-            <a:extLst>
-              <a:ext uri="{FF2B5EF4-FFF2-40B4-BE49-F238E27FC236}">
-                <a16:creationId xmlns:a16="http://schemas.microsoft.com/office/drawing/2014/main" id="{590A3669-FC20-A360-44D8-83789DD6BEE5}"/>
-              </a:ext>
-            </a:extLst>
-          </p:cNvPr>
-          <p:cNvSpPr>
-            <a:spLocks noGrp="1"/>
-          </p:cNvSpPr>
-          <p:nvPr>
-            <p:ph type="title"/>
-          </p:nvPr>
-        </p:nvSpPr>
-        <p:spPr/>
-        <p:txBody>
-          <a:bodyPr/>
-          <a:lstStyle/>
-          <a:p>
-            <a:r>
-              <a:rPr lang="en-US" dirty="0">
-                <a:cs typeface="Calibri" panose="020F0502020204030204" pitchFamily="34" charset="0"/>
-              </a:rPr>
-              <a:t>Topic Week 6</a:t>
-            </a:r>
-            <a:endParaRPr lang="en-IN" dirty="0"/>
-          </a:p>
-        </p:txBody>
-      </p:sp>
-      <p:sp>
-        <p:nvSpPr>
-          <p:cNvPr id="3" name="Content Placeholder 2">
-            <a:extLst>
-              <a:ext uri="{FF2B5EF4-FFF2-40B4-BE49-F238E27FC236}">
-                <a16:creationId xmlns:a16="http://schemas.microsoft.com/office/drawing/2014/main" id="{68FDFF87-6288-B2D0-832B-42615EAC0407}"/>
-              </a:ext>
-            </a:extLst>
-          </p:cNvPr>
-          <p:cNvSpPr>
-            <a:spLocks noGrp="1"/>
-          </p:cNvSpPr>
-          <p:nvPr>
-            <p:ph idx="1"/>
-          </p:nvPr>
-        </p:nvSpPr>
-        <p:spPr/>
-        <p:txBody>
-          <a:bodyPr/>
-          <a:lstStyle/>
-          <a:p>
-            <a:endParaRPr lang="en-IN"/>
-          </a:p>
-        </p:txBody>
-      </p:sp>
-    </p:spTree>
-    <p:extLst>
-      <p:ext uri="{BB962C8B-B14F-4D97-AF65-F5344CB8AC3E}">
-        <p14:creationId xmlns:p14="http://schemas.microsoft.com/office/powerpoint/2010/main" val="2328161356"/>
-      </p:ext>
-    </p:extLst>
-  </p:cSld>
-  <p:clrMapOvr>
-    <a:masterClrMapping/>
-  </p:clrMapOvr>
-</p:sld>
-</file>
-
-<file path=ppt/slides/slide17.xml><?xml version="1.0" encoding="utf-8"?>
-<p:sld xmlns:a="http://schemas.openxmlformats.org/drawingml/2006/main" xmlns:r="http://schemas.openxmlformats.org/officeDocument/2006/relationships" xmlns:p="http://schemas.openxmlformats.org/presentationml/2006/main">
-  <p:cSld>
-    <p:spTree>
-      <p:nvGrpSpPr>
-        <p:cNvPr id="1" name=""/>
-        <p:cNvGrpSpPr/>
-        <p:nvPr/>
-      </p:nvGrpSpPr>
-      <p:grpSpPr>
-        <a:xfrm>
-          <a:off x="0" y="0"/>
-          <a:ext cx="0" cy="0"/>
-          <a:chOff x="0" y="0"/>
-          <a:chExt cx="0" cy="0"/>
-        </a:xfrm>
-      </p:grpSpPr>
-      <p:sp>
-        <p:nvSpPr>
-          <p:cNvPr id="2" name="Title 1">
-            <a:extLst>
-              <a:ext uri="{FF2B5EF4-FFF2-40B4-BE49-F238E27FC236}">
-                <a16:creationId xmlns:a16="http://schemas.microsoft.com/office/drawing/2014/main" id="{590A3669-FC20-A360-44D8-83789DD6BEE5}"/>
-              </a:ext>
-            </a:extLst>
-          </p:cNvPr>
-          <p:cNvSpPr>
-            <a:spLocks noGrp="1"/>
-          </p:cNvSpPr>
-          <p:nvPr>
-            <p:ph type="title"/>
-          </p:nvPr>
-        </p:nvSpPr>
-        <p:spPr/>
-        <p:txBody>
-          <a:bodyPr/>
-          <a:lstStyle/>
-          <a:p>
-            <a:r>
-              <a:rPr lang="en-US" dirty="0">
-                <a:cs typeface="Calibri" panose="020F0502020204030204" pitchFamily="34" charset="0"/>
-              </a:rPr>
-              <a:t>Agenda Week 7</a:t>
-            </a:r>
-            <a:endParaRPr lang="en-IN" dirty="0"/>
-          </a:p>
-        </p:txBody>
-      </p:sp>
-      <p:sp>
-        <p:nvSpPr>
-          <p:cNvPr id="3" name="Content Placeholder 2">
-            <a:extLst>
-              <a:ext uri="{FF2B5EF4-FFF2-40B4-BE49-F238E27FC236}">
-                <a16:creationId xmlns:a16="http://schemas.microsoft.com/office/drawing/2014/main" id="{68FDFF87-6288-B2D0-832B-42615EAC0407}"/>
-              </a:ext>
-            </a:extLst>
-          </p:cNvPr>
-          <p:cNvSpPr>
-            <a:spLocks noGrp="1"/>
-          </p:cNvSpPr>
-          <p:nvPr>
-            <p:ph idx="1"/>
-          </p:nvPr>
-        </p:nvSpPr>
-        <p:spPr/>
-        <p:txBody>
-          <a:bodyPr/>
-          <a:lstStyle/>
-          <a:p>
-            <a:endParaRPr lang="en-IN"/>
-          </a:p>
-        </p:txBody>
-      </p:sp>
-      <p:sp>
-        <p:nvSpPr>
-          <p:cNvPr id="4" name="Rectangle 3">
-            <a:extLst>
-              <a:ext uri="{FF2B5EF4-FFF2-40B4-BE49-F238E27FC236}">
-                <a16:creationId xmlns:a16="http://schemas.microsoft.com/office/drawing/2014/main" id="{9173D2F3-9D45-BB8A-1BF3-C7DC627804FC}"/>
-              </a:ext>
-            </a:extLst>
-          </p:cNvPr>
-          <p:cNvSpPr/>
-          <p:nvPr/>
-        </p:nvSpPr>
-        <p:spPr>
-          <a:xfrm>
-            <a:off x="8203272" y="4162960"/>
-            <a:ext cx="2907587" cy="1746607"/>
-          </a:xfrm>
-          <a:prstGeom prst="rect">
-            <a:avLst/>
-          </a:prstGeom>
-          <a:solidFill>
-            <a:schemeClr val="accent2"/>
-          </a:solidFill>
-          <a:ln>
-            <a:noFill/>
-          </a:ln>
-        </p:spPr>
-        <p:style>
-          <a:lnRef idx="2">
-            <a:schemeClr val="accent1">
-              <a:shade val="50000"/>
-            </a:schemeClr>
-          </a:lnRef>
-          <a:fillRef idx="1">
-            <a:schemeClr val="accent1"/>
-          </a:fillRef>
-          <a:effectRef idx="0">
-            <a:schemeClr val="accent1"/>
-          </a:effectRef>
-          <a:fontRef idx="minor">
-            <a:schemeClr val="lt1"/>
-          </a:fontRef>
-        </p:style>
-        <p:txBody>
-          <a:bodyPr rtlCol="0" anchor="ctr"/>
-          <a:lstStyle/>
-          <a:p>
-            <a:r>
-              <a:rPr lang="en-US" dirty="0"/>
-              <a:t>Tip: Use infographics,</a:t>
-            </a:r>
-          </a:p>
-          <a:p>
-            <a:r>
-              <a:rPr lang="en-US" dirty="0"/>
-              <a:t>Smart Art,</a:t>
-            </a:r>
-          </a:p>
-          <a:p>
-            <a:r>
-              <a:rPr lang="en-US" dirty="0"/>
-              <a:t>Images/Screens,</a:t>
-            </a:r>
-          </a:p>
-          <a:p>
-            <a:r>
-              <a:rPr lang="en-US" dirty="0"/>
-              <a:t>Embed relevant learning videos/case study</a:t>
-            </a:r>
-            <a:endParaRPr lang="en-IN" dirty="0"/>
-          </a:p>
-        </p:txBody>
-      </p:sp>
-    </p:spTree>
-    <p:extLst>
-      <p:ext uri="{BB962C8B-B14F-4D97-AF65-F5344CB8AC3E}">
-        <p14:creationId xmlns:p14="http://schemas.microsoft.com/office/powerpoint/2010/main" val="890890472"/>
-      </p:ext>
-    </p:extLst>
-  </p:cSld>
-  <p:clrMapOvr>
-    <a:masterClrMapping/>
-  </p:clrMapOvr>
-</p:sld>
-</file>
-
-<file path=ppt/slides/slide18.xml><?xml version="1.0" encoding="utf-8"?>
-<p:sld xmlns:a="http://schemas.openxmlformats.org/drawingml/2006/main" xmlns:r="http://schemas.openxmlformats.org/officeDocument/2006/relationships" xmlns:p="http://schemas.openxmlformats.org/presentationml/2006/main">
-  <p:cSld>
-    <p:spTree>
-      <p:nvGrpSpPr>
-        <p:cNvPr id="1" name=""/>
-        <p:cNvGrpSpPr/>
-        <p:nvPr/>
-      </p:nvGrpSpPr>
-      <p:grpSpPr>
-        <a:xfrm>
-          <a:off x="0" y="0"/>
-          <a:ext cx="0" cy="0"/>
-          <a:chOff x="0" y="0"/>
-          <a:chExt cx="0" cy="0"/>
-        </a:xfrm>
-      </p:grpSpPr>
-      <p:sp>
-        <p:nvSpPr>
-          <p:cNvPr id="2" name="Title 1">
-            <a:extLst>
-              <a:ext uri="{FF2B5EF4-FFF2-40B4-BE49-F238E27FC236}">
-                <a16:creationId xmlns:a16="http://schemas.microsoft.com/office/drawing/2014/main" id="{590A3669-FC20-A360-44D8-83789DD6BEE5}"/>
-              </a:ext>
-            </a:extLst>
-          </p:cNvPr>
-          <p:cNvSpPr>
-            <a:spLocks noGrp="1"/>
-          </p:cNvSpPr>
-          <p:nvPr>
-            <p:ph type="title"/>
-          </p:nvPr>
-        </p:nvSpPr>
-        <p:spPr/>
-        <p:txBody>
-          <a:bodyPr/>
-          <a:lstStyle/>
-          <a:p>
-            <a:r>
-              <a:rPr lang="en-US" dirty="0">
-                <a:cs typeface="Calibri" panose="020F0502020204030204" pitchFamily="34" charset="0"/>
-              </a:rPr>
-              <a:t>Topic Week 7</a:t>
-            </a:r>
-            <a:endParaRPr lang="en-IN" dirty="0"/>
-          </a:p>
-        </p:txBody>
-      </p:sp>
-      <p:sp>
-        <p:nvSpPr>
-          <p:cNvPr id="3" name="Content Placeholder 2">
-            <a:extLst>
-              <a:ext uri="{FF2B5EF4-FFF2-40B4-BE49-F238E27FC236}">
-                <a16:creationId xmlns:a16="http://schemas.microsoft.com/office/drawing/2014/main" id="{68FDFF87-6288-B2D0-832B-42615EAC0407}"/>
-              </a:ext>
-            </a:extLst>
-          </p:cNvPr>
-          <p:cNvSpPr>
-            <a:spLocks noGrp="1"/>
-          </p:cNvSpPr>
-          <p:nvPr>
-            <p:ph idx="1"/>
-          </p:nvPr>
-        </p:nvSpPr>
-        <p:spPr/>
-        <p:txBody>
-          <a:bodyPr/>
-          <a:lstStyle/>
-          <a:p>
-            <a:endParaRPr lang="en-IN"/>
-          </a:p>
-        </p:txBody>
-      </p:sp>
-    </p:spTree>
-    <p:extLst>
-      <p:ext uri="{BB962C8B-B14F-4D97-AF65-F5344CB8AC3E}">
-        <p14:creationId xmlns:p14="http://schemas.microsoft.com/office/powerpoint/2010/main" val="4020267788"/>
-      </p:ext>
-    </p:extLst>
-  </p:cSld>
-  <p:clrMapOvr>
-    <a:masterClrMapping/>
-  </p:clrMapOvr>
-</p:sld>
-</file>
-
-<file path=ppt/slides/slide19.xml><?xml version="1.0" encoding="utf-8"?>
-<p:sld xmlns:a="http://schemas.openxmlformats.org/drawingml/2006/main" xmlns:r="http://schemas.openxmlformats.org/officeDocument/2006/relationships" xmlns:p="http://schemas.openxmlformats.org/presentationml/2006/main">
-  <p:cSld>
-    <p:spTree>
-      <p:nvGrpSpPr>
-        <p:cNvPr id="1" name=""/>
-        <p:cNvGrpSpPr/>
-        <p:nvPr/>
-      </p:nvGrpSpPr>
-      <p:grpSpPr>
-        <a:xfrm>
-          <a:off x="0" y="0"/>
-          <a:ext cx="0" cy="0"/>
-          <a:chOff x="0" y="0"/>
-          <a:chExt cx="0" cy="0"/>
-        </a:xfrm>
-      </p:grpSpPr>
-      <p:sp>
-        <p:nvSpPr>
-          <p:cNvPr id="2" name="Title 1">
-            <a:extLst>
-              <a:ext uri="{FF2B5EF4-FFF2-40B4-BE49-F238E27FC236}">
-                <a16:creationId xmlns:a16="http://schemas.microsoft.com/office/drawing/2014/main" id="{590A3669-FC20-A360-44D8-83789DD6BEE5}"/>
-              </a:ext>
-            </a:extLst>
-          </p:cNvPr>
-          <p:cNvSpPr>
-            <a:spLocks noGrp="1"/>
-          </p:cNvSpPr>
-          <p:nvPr>
-            <p:ph type="title"/>
-          </p:nvPr>
-        </p:nvSpPr>
-        <p:spPr/>
-        <p:txBody>
-          <a:bodyPr/>
-          <a:lstStyle/>
-          <a:p>
-            <a:r>
-              <a:rPr lang="en-US" dirty="0">
-                <a:cs typeface="Calibri" panose="020F0502020204030204" pitchFamily="34" charset="0"/>
-              </a:rPr>
-              <a:t>Agenda Week 8</a:t>
-            </a:r>
-            <a:endParaRPr lang="en-IN" dirty="0"/>
-          </a:p>
-        </p:txBody>
-      </p:sp>
-      <p:sp>
-        <p:nvSpPr>
-          <p:cNvPr id="3" name="Content Placeholder 2">
-            <a:extLst>
-              <a:ext uri="{FF2B5EF4-FFF2-40B4-BE49-F238E27FC236}">
-                <a16:creationId xmlns:a16="http://schemas.microsoft.com/office/drawing/2014/main" id="{68FDFF87-6288-B2D0-832B-42615EAC0407}"/>
-              </a:ext>
-            </a:extLst>
-          </p:cNvPr>
-          <p:cNvSpPr>
-            <a:spLocks noGrp="1"/>
-          </p:cNvSpPr>
-          <p:nvPr>
-            <p:ph idx="1"/>
-          </p:nvPr>
-        </p:nvSpPr>
-        <p:spPr/>
-        <p:txBody>
-          <a:bodyPr/>
-          <a:lstStyle/>
-          <a:p>
-            <a:endParaRPr lang="en-IN"/>
-          </a:p>
-        </p:txBody>
-      </p:sp>
-      <p:sp>
-        <p:nvSpPr>
-          <p:cNvPr id="4" name="Rectangle 3">
-            <a:extLst>
-              <a:ext uri="{FF2B5EF4-FFF2-40B4-BE49-F238E27FC236}">
-                <a16:creationId xmlns:a16="http://schemas.microsoft.com/office/drawing/2014/main" id="{84D22036-F68D-C8A0-E921-B129C01197A6}"/>
-              </a:ext>
-            </a:extLst>
-          </p:cNvPr>
-          <p:cNvSpPr/>
-          <p:nvPr/>
-        </p:nvSpPr>
-        <p:spPr>
-          <a:xfrm>
-            <a:off x="8203272" y="4162960"/>
-            <a:ext cx="2907587" cy="1746607"/>
-          </a:xfrm>
-          <a:prstGeom prst="rect">
-            <a:avLst/>
-          </a:prstGeom>
-          <a:solidFill>
-            <a:schemeClr val="accent2"/>
-          </a:solidFill>
-          <a:ln>
-            <a:noFill/>
-          </a:ln>
-        </p:spPr>
-        <p:style>
-          <a:lnRef idx="2">
-            <a:schemeClr val="accent1">
-              <a:shade val="50000"/>
-            </a:schemeClr>
-          </a:lnRef>
-          <a:fillRef idx="1">
-            <a:schemeClr val="accent1"/>
-          </a:fillRef>
-          <a:effectRef idx="0">
-            <a:schemeClr val="accent1"/>
-          </a:effectRef>
-          <a:fontRef idx="minor">
-            <a:schemeClr val="lt1"/>
-          </a:fontRef>
-        </p:style>
-        <p:txBody>
-          <a:bodyPr rtlCol="0" anchor="ctr"/>
-          <a:lstStyle/>
-          <a:p>
-            <a:r>
-              <a:rPr lang="en-US" dirty="0"/>
-              <a:t>Tip: Use infographics,</a:t>
-            </a:r>
-          </a:p>
-          <a:p>
-            <a:r>
-              <a:rPr lang="en-US" dirty="0"/>
-              <a:t>Smart Art,</a:t>
-            </a:r>
-          </a:p>
-          <a:p>
-            <a:r>
-              <a:rPr lang="en-US" dirty="0"/>
-              <a:t>Images/Screens,</a:t>
-            </a:r>
-          </a:p>
-          <a:p>
-            <a:r>
-              <a:rPr lang="en-US" dirty="0"/>
-              <a:t>Embed relevant learning videos/case study</a:t>
-            </a:r>
-            <a:endParaRPr lang="en-IN" dirty="0"/>
-          </a:p>
-        </p:txBody>
-      </p:sp>
-    </p:spTree>
-    <p:extLst>
-      <p:ext uri="{BB962C8B-B14F-4D97-AF65-F5344CB8AC3E}">
-        <p14:creationId xmlns:p14="http://schemas.microsoft.com/office/powerpoint/2010/main" val="1621637293"/>
-      </p:ext>
-    </p:extLst>
-  </p:cSld>
-  <p:clrMapOvr>
-    <a:masterClrMapping/>
-  </p:clrMapOvr>
-</p:sld>
-</file>
-
 <file path=ppt/slides/slide2.xml><?xml version="1.0" encoding="utf-8"?>
 <p:sld xmlns:a="http://schemas.openxmlformats.org/drawingml/2006/main" xmlns:r="http://schemas.openxmlformats.org/officeDocument/2006/relationships" xmlns:p="http://schemas.openxmlformats.org/presentationml/2006/main">
   <p:cSld>
@@ -5234,8 +3717,38 @@
           <a:lstStyle/>
           <a:p>
             <a:r>
-              <a:rPr lang="en-US" sz="2800" dirty="0"/>
-              <a:t>Installation Overview</a:t>
+              <a:rPr lang="en-IN" dirty="0"/>
+              <a:t>What is an interpreter</a:t>
+            </a:r>
+          </a:p>
+          <a:p>
+            <a:r>
+              <a:rPr lang="en-IN" dirty="0"/>
+              <a:t>Interpreter vs Compilers</a:t>
+            </a:r>
+          </a:p>
+          <a:p>
+            <a:r>
+              <a:rPr lang="en-US" dirty="0"/>
+              <a:t>The Wizardry of Python</a:t>
+            </a:r>
+          </a:p>
+          <a:p>
+            <a:r>
+              <a:rPr lang="en-IN" dirty="0"/>
+              <a:t>Pandas</a:t>
+            </a:r>
+          </a:p>
+          <a:p>
+            <a:r>
+              <a:rPr lang="en-IN" dirty="0"/>
+              <a:t>Case Study</a:t>
+            </a:r>
+          </a:p>
+          <a:p>
+            <a:r>
+              <a:rPr lang="en-US" dirty="0"/>
+              <a:t>Beyond the Horizon with Python</a:t>
             </a:r>
             <a:endParaRPr lang="en-IN" dirty="0"/>
           </a:p>
@@ -5245,692 +3758,6 @@
     <p:extLst>
       <p:ext uri="{BB962C8B-B14F-4D97-AF65-F5344CB8AC3E}">
         <p14:creationId xmlns:p14="http://schemas.microsoft.com/office/powerpoint/2010/main" val="4042171032"/>
-      </p:ext>
-    </p:extLst>
-  </p:cSld>
-  <p:clrMapOvr>
-    <a:masterClrMapping/>
-  </p:clrMapOvr>
-</p:sld>
-</file>
-
-<file path=ppt/slides/slide20.xml><?xml version="1.0" encoding="utf-8"?>
-<p:sld xmlns:a="http://schemas.openxmlformats.org/drawingml/2006/main" xmlns:r="http://schemas.openxmlformats.org/officeDocument/2006/relationships" xmlns:p="http://schemas.openxmlformats.org/presentationml/2006/main">
-  <p:cSld>
-    <p:spTree>
-      <p:nvGrpSpPr>
-        <p:cNvPr id="1" name=""/>
-        <p:cNvGrpSpPr/>
-        <p:nvPr/>
-      </p:nvGrpSpPr>
-      <p:grpSpPr>
-        <a:xfrm>
-          <a:off x="0" y="0"/>
-          <a:ext cx="0" cy="0"/>
-          <a:chOff x="0" y="0"/>
-          <a:chExt cx="0" cy="0"/>
-        </a:xfrm>
-      </p:grpSpPr>
-      <p:sp>
-        <p:nvSpPr>
-          <p:cNvPr id="2" name="Title 1">
-            <a:extLst>
-              <a:ext uri="{FF2B5EF4-FFF2-40B4-BE49-F238E27FC236}">
-                <a16:creationId xmlns:a16="http://schemas.microsoft.com/office/drawing/2014/main" id="{590A3669-FC20-A360-44D8-83789DD6BEE5}"/>
-              </a:ext>
-            </a:extLst>
-          </p:cNvPr>
-          <p:cNvSpPr>
-            <a:spLocks noGrp="1"/>
-          </p:cNvSpPr>
-          <p:nvPr>
-            <p:ph type="title"/>
-          </p:nvPr>
-        </p:nvSpPr>
-        <p:spPr/>
-        <p:txBody>
-          <a:bodyPr/>
-          <a:lstStyle/>
-          <a:p>
-            <a:r>
-              <a:rPr lang="en-US" dirty="0">
-                <a:cs typeface="Calibri" panose="020F0502020204030204" pitchFamily="34" charset="0"/>
-              </a:rPr>
-              <a:t>Topic Week 8</a:t>
-            </a:r>
-            <a:endParaRPr lang="en-IN" dirty="0"/>
-          </a:p>
-        </p:txBody>
-      </p:sp>
-      <p:sp>
-        <p:nvSpPr>
-          <p:cNvPr id="3" name="Content Placeholder 2">
-            <a:extLst>
-              <a:ext uri="{FF2B5EF4-FFF2-40B4-BE49-F238E27FC236}">
-                <a16:creationId xmlns:a16="http://schemas.microsoft.com/office/drawing/2014/main" id="{68FDFF87-6288-B2D0-832B-42615EAC0407}"/>
-              </a:ext>
-            </a:extLst>
-          </p:cNvPr>
-          <p:cNvSpPr>
-            <a:spLocks noGrp="1"/>
-          </p:cNvSpPr>
-          <p:nvPr>
-            <p:ph idx="1"/>
-          </p:nvPr>
-        </p:nvSpPr>
-        <p:spPr/>
-        <p:txBody>
-          <a:bodyPr/>
-          <a:lstStyle/>
-          <a:p>
-            <a:endParaRPr lang="en-IN"/>
-          </a:p>
-        </p:txBody>
-      </p:sp>
-    </p:spTree>
-    <p:extLst>
-      <p:ext uri="{BB962C8B-B14F-4D97-AF65-F5344CB8AC3E}">
-        <p14:creationId xmlns:p14="http://schemas.microsoft.com/office/powerpoint/2010/main" val="3492977779"/>
-      </p:ext>
-    </p:extLst>
-  </p:cSld>
-  <p:clrMapOvr>
-    <a:masterClrMapping/>
-  </p:clrMapOvr>
-</p:sld>
-</file>
-
-<file path=ppt/slides/slide21.xml><?xml version="1.0" encoding="utf-8"?>
-<p:sld xmlns:a="http://schemas.openxmlformats.org/drawingml/2006/main" xmlns:r="http://schemas.openxmlformats.org/officeDocument/2006/relationships" xmlns:p="http://schemas.openxmlformats.org/presentationml/2006/main">
-  <p:cSld>
-    <p:spTree>
-      <p:nvGrpSpPr>
-        <p:cNvPr id="1" name=""/>
-        <p:cNvGrpSpPr/>
-        <p:nvPr/>
-      </p:nvGrpSpPr>
-      <p:grpSpPr>
-        <a:xfrm>
-          <a:off x="0" y="0"/>
-          <a:ext cx="0" cy="0"/>
-          <a:chOff x="0" y="0"/>
-          <a:chExt cx="0" cy="0"/>
-        </a:xfrm>
-      </p:grpSpPr>
-      <p:sp>
-        <p:nvSpPr>
-          <p:cNvPr id="2" name="Title 1">
-            <a:extLst>
-              <a:ext uri="{FF2B5EF4-FFF2-40B4-BE49-F238E27FC236}">
-                <a16:creationId xmlns:a16="http://schemas.microsoft.com/office/drawing/2014/main" id="{590A3669-FC20-A360-44D8-83789DD6BEE5}"/>
-              </a:ext>
-            </a:extLst>
-          </p:cNvPr>
-          <p:cNvSpPr>
-            <a:spLocks noGrp="1"/>
-          </p:cNvSpPr>
-          <p:nvPr>
-            <p:ph type="title"/>
-          </p:nvPr>
-        </p:nvSpPr>
-        <p:spPr/>
-        <p:txBody>
-          <a:bodyPr/>
-          <a:lstStyle/>
-          <a:p>
-            <a:r>
-              <a:rPr lang="en-US" dirty="0">
-                <a:cs typeface="Calibri" panose="020F0502020204030204" pitchFamily="34" charset="0"/>
-              </a:rPr>
-              <a:t>Agenda Week 9</a:t>
-            </a:r>
-            <a:endParaRPr lang="en-IN" dirty="0"/>
-          </a:p>
-        </p:txBody>
-      </p:sp>
-      <p:sp>
-        <p:nvSpPr>
-          <p:cNvPr id="3" name="Content Placeholder 2">
-            <a:extLst>
-              <a:ext uri="{FF2B5EF4-FFF2-40B4-BE49-F238E27FC236}">
-                <a16:creationId xmlns:a16="http://schemas.microsoft.com/office/drawing/2014/main" id="{68FDFF87-6288-B2D0-832B-42615EAC0407}"/>
-              </a:ext>
-            </a:extLst>
-          </p:cNvPr>
-          <p:cNvSpPr>
-            <a:spLocks noGrp="1"/>
-          </p:cNvSpPr>
-          <p:nvPr>
-            <p:ph idx="1"/>
-          </p:nvPr>
-        </p:nvSpPr>
-        <p:spPr/>
-        <p:txBody>
-          <a:bodyPr/>
-          <a:lstStyle/>
-          <a:p>
-            <a:endParaRPr lang="en-IN"/>
-          </a:p>
-        </p:txBody>
-      </p:sp>
-      <p:sp>
-        <p:nvSpPr>
-          <p:cNvPr id="4" name="Rectangle 3">
-            <a:extLst>
-              <a:ext uri="{FF2B5EF4-FFF2-40B4-BE49-F238E27FC236}">
-                <a16:creationId xmlns:a16="http://schemas.microsoft.com/office/drawing/2014/main" id="{9173D2F3-9D45-BB8A-1BF3-C7DC627804FC}"/>
-              </a:ext>
-            </a:extLst>
-          </p:cNvPr>
-          <p:cNvSpPr/>
-          <p:nvPr/>
-        </p:nvSpPr>
-        <p:spPr>
-          <a:xfrm>
-            <a:off x="8203272" y="4162960"/>
-            <a:ext cx="2907587" cy="1746607"/>
-          </a:xfrm>
-          <a:prstGeom prst="rect">
-            <a:avLst/>
-          </a:prstGeom>
-          <a:solidFill>
-            <a:schemeClr val="accent2"/>
-          </a:solidFill>
-          <a:ln>
-            <a:noFill/>
-          </a:ln>
-        </p:spPr>
-        <p:style>
-          <a:lnRef idx="2">
-            <a:schemeClr val="accent1">
-              <a:shade val="50000"/>
-            </a:schemeClr>
-          </a:lnRef>
-          <a:fillRef idx="1">
-            <a:schemeClr val="accent1"/>
-          </a:fillRef>
-          <a:effectRef idx="0">
-            <a:schemeClr val="accent1"/>
-          </a:effectRef>
-          <a:fontRef idx="minor">
-            <a:schemeClr val="lt1"/>
-          </a:fontRef>
-        </p:style>
-        <p:txBody>
-          <a:bodyPr rtlCol="0" anchor="ctr"/>
-          <a:lstStyle/>
-          <a:p>
-            <a:r>
-              <a:rPr lang="en-US" dirty="0"/>
-              <a:t>Tip: Use infographics,</a:t>
-            </a:r>
-          </a:p>
-          <a:p>
-            <a:r>
-              <a:rPr lang="en-US" dirty="0"/>
-              <a:t>Smart Art,</a:t>
-            </a:r>
-          </a:p>
-          <a:p>
-            <a:r>
-              <a:rPr lang="en-US" dirty="0"/>
-              <a:t>Images/Screens,</a:t>
-            </a:r>
-          </a:p>
-          <a:p>
-            <a:r>
-              <a:rPr lang="en-US" dirty="0"/>
-              <a:t>Embed relevant learning videos/case study</a:t>
-            </a:r>
-            <a:endParaRPr lang="en-IN" dirty="0"/>
-          </a:p>
-        </p:txBody>
-      </p:sp>
-    </p:spTree>
-    <p:extLst>
-      <p:ext uri="{BB962C8B-B14F-4D97-AF65-F5344CB8AC3E}">
-        <p14:creationId xmlns:p14="http://schemas.microsoft.com/office/powerpoint/2010/main" val="3409202409"/>
-      </p:ext>
-    </p:extLst>
-  </p:cSld>
-  <p:clrMapOvr>
-    <a:masterClrMapping/>
-  </p:clrMapOvr>
-</p:sld>
-</file>
-
-<file path=ppt/slides/slide22.xml><?xml version="1.0" encoding="utf-8"?>
-<p:sld xmlns:a="http://schemas.openxmlformats.org/drawingml/2006/main" xmlns:r="http://schemas.openxmlformats.org/officeDocument/2006/relationships" xmlns:p="http://schemas.openxmlformats.org/presentationml/2006/main">
-  <p:cSld>
-    <p:spTree>
-      <p:nvGrpSpPr>
-        <p:cNvPr id="1" name=""/>
-        <p:cNvGrpSpPr/>
-        <p:nvPr/>
-      </p:nvGrpSpPr>
-      <p:grpSpPr>
-        <a:xfrm>
-          <a:off x="0" y="0"/>
-          <a:ext cx="0" cy="0"/>
-          <a:chOff x="0" y="0"/>
-          <a:chExt cx="0" cy="0"/>
-        </a:xfrm>
-      </p:grpSpPr>
-      <p:sp>
-        <p:nvSpPr>
-          <p:cNvPr id="2" name="Title 1">
-            <a:extLst>
-              <a:ext uri="{FF2B5EF4-FFF2-40B4-BE49-F238E27FC236}">
-                <a16:creationId xmlns:a16="http://schemas.microsoft.com/office/drawing/2014/main" id="{590A3669-FC20-A360-44D8-83789DD6BEE5}"/>
-              </a:ext>
-            </a:extLst>
-          </p:cNvPr>
-          <p:cNvSpPr>
-            <a:spLocks noGrp="1"/>
-          </p:cNvSpPr>
-          <p:nvPr>
-            <p:ph type="title"/>
-          </p:nvPr>
-        </p:nvSpPr>
-        <p:spPr/>
-        <p:txBody>
-          <a:bodyPr/>
-          <a:lstStyle/>
-          <a:p>
-            <a:r>
-              <a:rPr lang="en-US" dirty="0">
-                <a:cs typeface="Calibri" panose="020F0502020204030204" pitchFamily="34" charset="0"/>
-              </a:rPr>
-              <a:t>Topic Week 9</a:t>
-            </a:r>
-            <a:endParaRPr lang="en-IN" dirty="0"/>
-          </a:p>
-        </p:txBody>
-      </p:sp>
-      <p:sp>
-        <p:nvSpPr>
-          <p:cNvPr id="3" name="Content Placeholder 2">
-            <a:extLst>
-              <a:ext uri="{FF2B5EF4-FFF2-40B4-BE49-F238E27FC236}">
-                <a16:creationId xmlns:a16="http://schemas.microsoft.com/office/drawing/2014/main" id="{68FDFF87-6288-B2D0-832B-42615EAC0407}"/>
-              </a:ext>
-            </a:extLst>
-          </p:cNvPr>
-          <p:cNvSpPr>
-            <a:spLocks noGrp="1"/>
-          </p:cNvSpPr>
-          <p:nvPr>
-            <p:ph idx="1"/>
-          </p:nvPr>
-        </p:nvSpPr>
-        <p:spPr/>
-        <p:txBody>
-          <a:bodyPr/>
-          <a:lstStyle/>
-          <a:p>
-            <a:endParaRPr lang="en-IN"/>
-          </a:p>
-        </p:txBody>
-      </p:sp>
-    </p:spTree>
-    <p:extLst>
-      <p:ext uri="{BB962C8B-B14F-4D97-AF65-F5344CB8AC3E}">
-        <p14:creationId xmlns:p14="http://schemas.microsoft.com/office/powerpoint/2010/main" val="3407516488"/>
-      </p:ext>
-    </p:extLst>
-  </p:cSld>
-  <p:clrMapOvr>
-    <a:masterClrMapping/>
-  </p:clrMapOvr>
-</p:sld>
-</file>
-
-<file path=ppt/slides/slide23.xml><?xml version="1.0" encoding="utf-8"?>
-<p:sld xmlns:a="http://schemas.openxmlformats.org/drawingml/2006/main" xmlns:r="http://schemas.openxmlformats.org/officeDocument/2006/relationships" xmlns:p="http://schemas.openxmlformats.org/presentationml/2006/main">
-  <p:cSld>
-    <p:spTree>
-      <p:nvGrpSpPr>
-        <p:cNvPr id="1" name=""/>
-        <p:cNvGrpSpPr/>
-        <p:nvPr/>
-      </p:nvGrpSpPr>
-      <p:grpSpPr>
-        <a:xfrm>
-          <a:off x="0" y="0"/>
-          <a:ext cx="0" cy="0"/>
-          <a:chOff x="0" y="0"/>
-          <a:chExt cx="0" cy="0"/>
-        </a:xfrm>
-      </p:grpSpPr>
-      <p:sp>
-        <p:nvSpPr>
-          <p:cNvPr id="2" name="Title 1">
-            <a:extLst>
-              <a:ext uri="{FF2B5EF4-FFF2-40B4-BE49-F238E27FC236}">
-                <a16:creationId xmlns:a16="http://schemas.microsoft.com/office/drawing/2014/main" id="{590A3669-FC20-A360-44D8-83789DD6BEE5}"/>
-              </a:ext>
-            </a:extLst>
-          </p:cNvPr>
-          <p:cNvSpPr>
-            <a:spLocks noGrp="1"/>
-          </p:cNvSpPr>
-          <p:nvPr>
-            <p:ph type="title"/>
-          </p:nvPr>
-        </p:nvSpPr>
-        <p:spPr/>
-        <p:txBody>
-          <a:bodyPr/>
-          <a:lstStyle/>
-          <a:p>
-            <a:r>
-              <a:rPr lang="en-US" dirty="0">
-                <a:cs typeface="Calibri" panose="020F0502020204030204" pitchFamily="34" charset="0"/>
-              </a:rPr>
-              <a:t>Agenda Week 10</a:t>
-            </a:r>
-            <a:endParaRPr lang="en-IN" dirty="0"/>
-          </a:p>
-        </p:txBody>
-      </p:sp>
-      <p:sp>
-        <p:nvSpPr>
-          <p:cNvPr id="3" name="Content Placeholder 2">
-            <a:extLst>
-              <a:ext uri="{FF2B5EF4-FFF2-40B4-BE49-F238E27FC236}">
-                <a16:creationId xmlns:a16="http://schemas.microsoft.com/office/drawing/2014/main" id="{68FDFF87-6288-B2D0-832B-42615EAC0407}"/>
-              </a:ext>
-            </a:extLst>
-          </p:cNvPr>
-          <p:cNvSpPr>
-            <a:spLocks noGrp="1"/>
-          </p:cNvSpPr>
-          <p:nvPr>
-            <p:ph idx="1"/>
-          </p:nvPr>
-        </p:nvSpPr>
-        <p:spPr/>
-        <p:txBody>
-          <a:bodyPr/>
-          <a:lstStyle/>
-          <a:p>
-            <a:endParaRPr lang="en-IN"/>
-          </a:p>
-        </p:txBody>
-      </p:sp>
-      <p:sp>
-        <p:nvSpPr>
-          <p:cNvPr id="4" name="Rectangle 3">
-            <a:extLst>
-              <a:ext uri="{FF2B5EF4-FFF2-40B4-BE49-F238E27FC236}">
-                <a16:creationId xmlns:a16="http://schemas.microsoft.com/office/drawing/2014/main" id="{84D22036-F68D-C8A0-E921-B129C01197A6}"/>
-              </a:ext>
-            </a:extLst>
-          </p:cNvPr>
-          <p:cNvSpPr/>
-          <p:nvPr/>
-        </p:nvSpPr>
-        <p:spPr>
-          <a:xfrm>
-            <a:off x="8203272" y="4162960"/>
-            <a:ext cx="2907587" cy="1746607"/>
-          </a:xfrm>
-          <a:prstGeom prst="rect">
-            <a:avLst/>
-          </a:prstGeom>
-          <a:solidFill>
-            <a:schemeClr val="accent2"/>
-          </a:solidFill>
-          <a:ln>
-            <a:noFill/>
-          </a:ln>
-        </p:spPr>
-        <p:style>
-          <a:lnRef idx="2">
-            <a:schemeClr val="accent1">
-              <a:shade val="50000"/>
-            </a:schemeClr>
-          </a:lnRef>
-          <a:fillRef idx="1">
-            <a:schemeClr val="accent1"/>
-          </a:fillRef>
-          <a:effectRef idx="0">
-            <a:schemeClr val="accent1"/>
-          </a:effectRef>
-          <a:fontRef idx="minor">
-            <a:schemeClr val="lt1"/>
-          </a:fontRef>
-        </p:style>
-        <p:txBody>
-          <a:bodyPr rtlCol="0" anchor="ctr"/>
-          <a:lstStyle/>
-          <a:p>
-            <a:r>
-              <a:rPr lang="en-US" dirty="0"/>
-              <a:t>Tip: Use infographics,</a:t>
-            </a:r>
-          </a:p>
-          <a:p>
-            <a:r>
-              <a:rPr lang="en-US" dirty="0"/>
-              <a:t>Smart Art,</a:t>
-            </a:r>
-          </a:p>
-          <a:p>
-            <a:r>
-              <a:rPr lang="en-US" dirty="0"/>
-              <a:t>Images/Screens,</a:t>
-            </a:r>
-          </a:p>
-          <a:p>
-            <a:r>
-              <a:rPr lang="en-US" dirty="0"/>
-              <a:t>Embed relevant learning videos/case study</a:t>
-            </a:r>
-            <a:endParaRPr lang="en-IN" dirty="0"/>
-          </a:p>
-        </p:txBody>
-      </p:sp>
-    </p:spTree>
-    <p:extLst>
-      <p:ext uri="{BB962C8B-B14F-4D97-AF65-F5344CB8AC3E}">
-        <p14:creationId xmlns:p14="http://schemas.microsoft.com/office/powerpoint/2010/main" val="760017415"/>
-      </p:ext>
-    </p:extLst>
-  </p:cSld>
-  <p:clrMapOvr>
-    <a:masterClrMapping/>
-  </p:clrMapOvr>
-</p:sld>
-</file>
-
-<file path=ppt/slides/slide24.xml><?xml version="1.0" encoding="utf-8"?>
-<p:sld xmlns:a="http://schemas.openxmlformats.org/drawingml/2006/main" xmlns:r="http://schemas.openxmlformats.org/officeDocument/2006/relationships" xmlns:p="http://schemas.openxmlformats.org/presentationml/2006/main">
-  <p:cSld>
-    <p:spTree>
-      <p:nvGrpSpPr>
-        <p:cNvPr id="1" name=""/>
-        <p:cNvGrpSpPr/>
-        <p:nvPr/>
-      </p:nvGrpSpPr>
-      <p:grpSpPr>
-        <a:xfrm>
-          <a:off x="0" y="0"/>
-          <a:ext cx="0" cy="0"/>
-          <a:chOff x="0" y="0"/>
-          <a:chExt cx="0" cy="0"/>
-        </a:xfrm>
-      </p:grpSpPr>
-      <p:sp>
-        <p:nvSpPr>
-          <p:cNvPr id="2" name="Title 1">
-            <a:extLst>
-              <a:ext uri="{FF2B5EF4-FFF2-40B4-BE49-F238E27FC236}">
-                <a16:creationId xmlns:a16="http://schemas.microsoft.com/office/drawing/2014/main" id="{590A3669-FC20-A360-44D8-83789DD6BEE5}"/>
-              </a:ext>
-            </a:extLst>
-          </p:cNvPr>
-          <p:cNvSpPr>
-            <a:spLocks noGrp="1"/>
-          </p:cNvSpPr>
-          <p:nvPr>
-            <p:ph type="title"/>
-          </p:nvPr>
-        </p:nvSpPr>
-        <p:spPr/>
-        <p:txBody>
-          <a:bodyPr/>
-          <a:lstStyle/>
-          <a:p>
-            <a:r>
-              <a:rPr lang="en-US" dirty="0">
-                <a:cs typeface="Calibri" panose="020F0502020204030204" pitchFamily="34" charset="0"/>
-              </a:rPr>
-              <a:t>Topic Week 10</a:t>
-            </a:r>
-            <a:endParaRPr lang="en-IN" dirty="0"/>
-          </a:p>
-        </p:txBody>
-      </p:sp>
-      <p:sp>
-        <p:nvSpPr>
-          <p:cNvPr id="3" name="Content Placeholder 2">
-            <a:extLst>
-              <a:ext uri="{FF2B5EF4-FFF2-40B4-BE49-F238E27FC236}">
-                <a16:creationId xmlns:a16="http://schemas.microsoft.com/office/drawing/2014/main" id="{68FDFF87-6288-B2D0-832B-42615EAC0407}"/>
-              </a:ext>
-            </a:extLst>
-          </p:cNvPr>
-          <p:cNvSpPr>
-            <a:spLocks noGrp="1"/>
-          </p:cNvSpPr>
-          <p:nvPr>
-            <p:ph idx="1"/>
-          </p:nvPr>
-        </p:nvSpPr>
-        <p:spPr/>
-        <p:txBody>
-          <a:bodyPr/>
-          <a:lstStyle/>
-          <a:p>
-            <a:endParaRPr lang="en-IN"/>
-          </a:p>
-        </p:txBody>
-      </p:sp>
-    </p:spTree>
-    <p:extLst>
-      <p:ext uri="{BB962C8B-B14F-4D97-AF65-F5344CB8AC3E}">
-        <p14:creationId xmlns:p14="http://schemas.microsoft.com/office/powerpoint/2010/main" val="1442676294"/>
-      </p:ext>
-    </p:extLst>
-  </p:cSld>
-  <p:clrMapOvr>
-    <a:masterClrMapping/>
-  </p:clrMapOvr>
-</p:sld>
-</file>
-
-<file path=ppt/slides/slide25.xml><?xml version="1.0" encoding="utf-8"?>
-<p:sld xmlns:a="http://schemas.openxmlformats.org/drawingml/2006/main" xmlns:r="http://schemas.openxmlformats.org/officeDocument/2006/relationships" xmlns:p="http://schemas.openxmlformats.org/presentationml/2006/main">
-  <p:cSld>
-    <p:spTree>
-      <p:nvGrpSpPr>
-        <p:cNvPr id="1" name=""/>
-        <p:cNvGrpSpPr/>
-        <p:nvPr/>
-      </p:nvGrpSpPr>
-      <p:grpSpPr>
-        <a:xfrm>
-          <a:off x="0" y="0"/>
-          <a:ext cx="0" cy="0"/>
-          <a:chOff x="0" y="0"/>
-          <a:chExt cx="0" cy="0"/>
-        </a:xfrm>
-      </p:grpSpPr>
-      <p:sp>
-        <p:nvSpPr>
-          <p:cNvPr id="2" name="Title 1">
-            <a:extLst>
-              <a:ext uri="{FF2B5EF4-FFF2-40B4-BE49-F238E27FC236}">
-                <a16:creationId xmlns:a16="http://schemas.microsoft.com/office/drawing/2014/main" id="{590A3669-FC20-A360-44D8-83789DD6BEE5}"/>
-              </a:ext>
-            </a:extLst>
-          </p:cNvPr>
-          <p:cNvSpPr>
-            <a:spLocks noGrp="1"/>
-          </p:cNvSpPr>
-          <p:nvPr>
-            <p:ph type="title"/>
-          </p:nvPr>
-        </p:nvSpPr>
-        <p:spPr/>
-        <p:txBody>
-          <a:bodyPr/>
-          <a:lstStyle/>
-          <a:p>
-            <a:r>
-              <a:rPr lang="en-US" dirty="0">
-                <a:cs typeface="Calibri" panose="020F0502020204030204" pitchFamily="34" charset="0"/>
-              </a:rPr>
-              <a:t>Appendix</a:t>
-            </a:r>
-            <a:endParaRPr lang="en-IN" dirty="0"/>
-          </a:p>
-        </p:txBody>
-      </p:sp>
-      <p:sp>
-        <p:nvSpPr>
-          <p:cNvPr id="3" name="Content Placeholder 2">
-            <a:extLst>
-              <a:ext uri="{FF2B5EF4-FFF2-40B4-BE49-F238E27FC236}">
-                <a16:creationId xmlns:a16="http://schemas.microsoft.com/office/drawing/2014/main" id="{68FDFF87-6288-B2D0-832B-42615EAC0407}"/>
-              </a:ext>
-            </a:extLst>
-          </p:cNvPr>
-          <p:cNvSpPr>
-            <a:spLocks noGrp="1"/>
-          </p:cNvSpPr>
-          <p:nvPr>
-            <p:ph idx="1"/>
-          </p:nvPr>
-        </p:nvSpPr>
-        <p:spPr/>
-        <p:txBody>
-          <a:bodyPr/>
-          <a:lstStyle/>
-          <a:p>
-            <a:pPr marL="0" indent="0">
-              <a:spcAft>
-                <a:spcPts val="1200"/>
-              </a:spcAft>
-              <a:buNone/>
-            </a:pPr>
-            <a:r>
-              <a:rPr lang="en-US" sz="2800" dirty="0"/>
-              <a:t>Add Links or permissible Images as needed</a:t>
-            </a:r>
-          </a:p>
-          <a:p>
-            <a:pPr>
-              <a:spcAft>
-                <a:spcPts val="1200"/>
-              </a:spcAft>
-            </a:pPr>
-            <a:endParaRPr lang="en-IN" sz="2800" dirty="0">
-              <a:solidFill>
-                <a:schemeClr val="bg2"/>
-              </a:solidFill>
-            </a:endParaRPr>
-          </a:p>
-          <a:p>
-            <a:endParaRPr lang="en-IN" dirty="0"/>
-          </a:p>
-        </p:txBody>
-      </p:sp>
-    </p:spTree>
-    <p:extLst>
-      <p:ext uri="{BB962C8B-B14F-4D97-AF65-F5344CB8AC3E}">
-        <p14:creationId xmlns:p14="http://schemas.microsoft.com/office/powerpoint/2010/main" val="2411495771"/>
       </p:ext>
     </p:extLst>
   </p:cSld>
@@ -5979,8 +3806,10 @@
           <a:lstStyle/>
           <a:p>
             <a:r>
-              <a:rPr lang="en-US" sz="4400" dirty="0"/>
-              <a:t>Installation Overview</a:t>
+              <a:rPr lang="en-US" dirty="0">
+                <a:cs typeface="Calibri" panose="020F0502020204030204" pitchFamily="34" charset="0"/>
+              </a:rPr>
+              <a:t>Appendix</a:t>
             </a:r>
             <a:endParaRPr lang="en-IN" dirty="0"/>
           </a:p>
@@ -6002,69 +3831,33 @@
             <p:ph idx="1"/>
           </p:nvPr>
         </p:nvSpPr>
-        <p:spPr>
-          <a:xfrm>
-            <a:off x="352063" y="1817908"/>
-            <a:ext cx="10515600" cy="4351338"/>
-          </a:xfrm>
-        </p:spPr>
-        <p:txBody>
-          <a:bodyPr/>
-          <a:lstStyle/>
-          <a:p>
-            <a:pPr marL="742950" lvl="1" indent="-285750">
-              <a:buClr>
-                <a:srgbClr val="009FDF"/>
-              </a:buClr>
-              <a:buSzPct val="100000"/>
-              <a:buFont typeface="Wingdings" panose="05000000000000000000" pitchFamily="2" charset="2"/>
-              <a:buChar char="Ø"/>
+        <p:spPr/>
+        <p:txBody>
+          <a:bodyPr/>
+          <a:lstStyle/>
+          <a:p>
+            <a:pPr marL="0" indent="0">
+              <a:spcAft>
+                <a:spcPts val="1200"/>
+              </a:spcAft>
+              <a:buNone/>
             </a:pPr>
             <a:r>
-              <a:rPr lang="en-US" dirty="0"/>
-              <a:t>Install Python </a:t>
-            </a:r>
-          </a:p>
-          <a:p>
-            <a:pPr marL="742950" lvl="1" indent="-285750">
-              <a:buSzPct val="100000"/>
-              <a:buFont typeface="Wingdings" panose="05000000000000000000" pitchFamily="2" charset="2"/>
-              <a:buChar char="Ø"/>
+              <a:rPr lang="en-US" sz="2800" dirty="0"/>
+              <a:t>Add Links or permissible Images as needed</a:t>
+            </a:r>
+          </a:p>
+          <a:p>
+            <a:pPr>
+              <a:spcAft>
+                <a:spcPts val="1200"/>
+              </a:spcAft>
             </a:pPr>
-            <a:endParaRPr lang="en-US" dirty="0"/>
-          </a:p>
-          <a:p>
-            <a:pPr marL="742950" lvl="1" indent="-285750">
-              <a:buClr>
-                <a:srgbClr val="009FDF"/>
-              </a:buClr>
-              <a:buFont typeface="Wingdings" panose="05000000000000000000" pitchFamily="2" charset="2"/>
-              <a:buChar char="Ø"/>
-            </a:pPr>
-            <a:r>
-              <a:rPr lang="en-US" dirty="0"/>
-              <a:t>Install Visual Studio Code</a:t>
-            </a:r>
-          </a:p>
-          <a:p>
-            <a:pPr marL="742950" lvl="1" indent="-285750">
-              <a:buFont typeface="Wingdings" panose="05000000000000000000" pitchFamily="2" charset="2"/>
-              <a:buChar char="Ø"/>
-            </a:pPr>
-            <a:endParaRPr lang="en-US" dirty="0"/>
-          </a:p>
-          <a:p>
-            <a:pPr marL="742950" lvl="1" indent="-285750">
-              <a:buClr>
-                <a:srgbClr val="009FDF"/>
-              </a:buClr>
-              <a:buFont typeface="Wingdings" panose="05000000000000000000" pitchFamily="2" charset="2"/>
-              <a:buChar char="Ø"/>
-            </a:pPr>
-            <a:r>
-              <a:rPr lang="en-US" dirty="0"/>
-              <a:t>Configuring Python interpreter in VS Code</a:t>
-            </a:r>
+            <a:endParaRPr lang="en-IN" sz="2800" dirty="0">
+              <a:solidFill>
+                <a:schemeClr val="bg2"/>
+              </a:solidFill>
+            </a:endParaRPr>
           </a:p>
           <a:p>
             <a:endParaRPr lang="en-IN" dirty="0"/>
@@ -6074,1077 +3867,7 @@
     </p:spTree>
     <p:extLst>
       <p:ext uri="{BB962C8B-B14F-4D97-AF65-F5344CB8AC3E}">
-        <p14:creationId xmlns:p14="http://schemas.microsoft.com/office/powerpoint/2010/main" val="2864670378"/>
-      </p:ext>
-    </p:extLst>
-  </p:cSld>
-  <p:clrMapOvr>
-    <a:masterClrMapping/>
-  </p:clrMapOvr>
-</p:sld>
-</file>
-
-<file path=ppt/slides/slide4.xml><?xml version="1.0" encoding="utf-8"?>
-<p:sld xmlns:a="http://schemas.openxmlformats.org/drawingml/2006/main" xmlns:r="http://schemas.openxmlformats.org/officeDocument/2006/relationships" xmlns:p="http://schemas.openxmlformats.org/presentationml/2006/main">
-  <p:cSld>
-    <p:spTree>
-      <p:nvGrpSpPr>
-        <p:cNvPr id="1" name=""/>
-        <p:cNvGrpSpPr/>
-        <p:nvPr/>
-      </p:nvGrpSpPr>
-      <p:grpSpPr>
-        <a:xfrm>
-          <a:off x="0" y="0"/>
-          <a:ext cx="0" cy="0"/>
-          <a:chOff x="0" y="0"/>
-          <a:chExt cx="0" cy="0"/>
-        </a:xfrm>
-      </p:grpSpPr>
-      <p:sp>
-        <p:nvSpPr>
-          <p:cNvPr id="2" name="Title 1">
-            <a:extLst>
-              <a:ext uri="{FF2B5EF4-FFF2-40B4-BE49-F238E27FC236}">
-                <a16:creationId xmlns:a16="http://schemas.microsoft.com/office/drawing/2014/main" id="{A34DBCF4-6209-4DD9-A88B-D67C3D55762E}"/>
-              </a:ext>
-            </a:extLst>
-          </p:cNvPr>
-          <p:cNvSpPr>
-            <a:spLocks noGrp="1"/>
-          </p:cNvSpPr>
-          <p:nvPr>
-            <p:ph type="title"/>
-          </p:nvPr>
-        </p:nvSpPr>
-        <p:spPr>
-          <a:xfrm>
-            <a:off x="252944" y="170236"/>
-            <a:ext cx="5384136" cy="430887"/>
-          </a:xfrm>
-        </p:spPr>
-        <p:txBody>
-          <a:bodyPr>
-            <a:normAutofit fontScale="90000"/>
-          </a:bodyPr>
-          <a:lstStyle/>
-          <a:p>
-            <a:r>
-              <a:rPr lang="en-US" sz="2800" dirty="0"/>
-              <a:t>Install Python</a:t>
-            </a:r>
-            <a:endParaRPr lang="en-IN" sz="2800" dirty="0"/>
-          </a:p>
-        </p:txBody>
-      </p:sp>
-      <p:sp>
-        <p:nvSpPr>
-          <p:cNvPr id="48" name="TextBox 47">
-            <a:extLst>
-              <a:ext uri="{FF2B5EF4-FFF2-40B4-BE49-F238E27FC236}">
-                <a16:creationId xmlns:a16="http://schemas.microsoft.com/office/drawing/2014/main" id="{F087709B-32EE-4A47-9724-563677276C38}"/>
-              </a:ext>
-            </a:extLst>
-          </p:cNvPr>
-          <p:cNvSpPr txBox="1"/>
-          <p:nvPr/>
-        </p:nvSpPr>
-        <p:spPr>
-          <a:xfrm>
-            <a:off x="263352" y="980728"/>
-            <a:ext cx="4176464" cy="4801314"/>
-          </a:xfrm>
-          <a:prstGeom prst="rect">
-            <a:avLst/>
-          </a:prstGeom>
-          <a:noFill/>
-        </p:spPr>
-        <p:txBody>
-          <a:bodyPr wrap="square">
-            <a:spAutoFit/>
-          </a:bodyPr>
-          <a:lstStyle/>
-          <a:p>
-            <a:pPr marL="285750" indent="-285750">
-              <a:lnSpc>
-                <a:spcPct val="200000"/>
-              </a:lnSpc>
-              <a:buClr>
-                <a:srgbClr val="009FDF"/>
-              </a:buClr>
-              <a:buSzPct val="100000"/>
-              <a:buFont typeface="Wingdings" panose="05000000000000000000" pitchFamily="2" charset="2"/>
-              <a:buChar char="Ø"/>
-            </a:pPr>
-            <a:r>
-              <a:rPr lang="en-US" dirty="0"/>
-              <a:t>Click  the download link depending on your system (</a:t>
-            </a:r>
-            <a:r>
-              <a:rPr lang="en-US" dirty="0">
-                <a:hlinkClick r:id="rId2"/>
-              </a:rPr>
-              <a:t>64bit</a:t>
-            </a:r>
-            <a:r>
-              <a:rPr lang="en-US" dirty="0"/>
-              <a:t> ,</a:t>
-            </a:r>
-            <a:r>
-              <a:rPr lang="en-US" dirty="0">
-                <a:hlinkClick r:id="rId3"/>
-              </a:rPr>
-              <a:t> 32bit</a:t>
-            </a:r>
-            <a:r>
-              <a:rPr lang="en-US" dirty="0"/>
-              <a:t> ) for the latest version of python</a:t>
-            </a:r>
-          </a:p>
-          <a:p>
-            <a:pPr marL="285750" indent="-285750">
-              <a:lnSpc>
-                <a:spcPct val="200000"/>
-              </a:lnSpc>
-              <a:buClr>
-                <a:srgbClr val="009FDF"/>
-              </a:buClr>
-              <a:buSzPct val="100000"/>
-              <a:buFont typeface="Wingdings" panose="05000000000000000000" pitchFamily="2" charset="2"/>
-              <a:buChar char="Ø"/>
-            </a:pPr>
-            <a:r>
-              <a:rPr lang="en-US" dirty="0"/>
-              <a:t>Open the python installer and select the “Add python.exe to PATH” checkbox and click Install now</a:t>
-            </a:r>
-          </a:p>
-          <a:p>
-            <a:pPr marL="285750" indent="-285750">
-              <a:lnSpc>
-                <a:spcPct val="200000"/>
-              </a:lnSpc>
-              <a:buClr>
-                <a:srgbClr val="009FDF"/>
-              </a:buClr>
-              <a:buSzPct val="100000"/>
-              <a:buFont typeface="Wingdings" panose="05000000000000000000" pitchFamily="2" charset="2"/>
-              <a:buChar char="Ø"/>
-            </a:pPr>
-            <a:r>
-              <a:rPr lang="en-US" dirty="0"/>
-              <a:t>Close once the installation is completed</a:t>
-            </a:r>
-          </a:p>
-          <a:p>
-            <a:pPr lvl="1"/>
-            <a:endParaRPr lang="en-US" dirty="0"/>
-          </a:p>
-        </p:txBody>
-      </p:sp>
-      <p:pic>
-        <p:nvPicPr>
-          <p:cNvPr id="8" name="Picture 7">
-            <a:extLst>
-              <a:ext uri="{FF2B5EF4-FFF2-40B4-BE49-F238E27FC236}">
-                <a16:creationId xmlns:a16="http://schemas.microsoft.com/office/drawing/2014/main" id="{F2E7FFF0-7E9E-7314-8F91-F2C52EEE5F05}"/>
-              </a:ext>
-            </a:extLst>
-          </p:cNvPr>
-          <p:cNvPicPr>
-            <a:picLocks noChangeAspect="1"/>
-          </p:cNvPicPr>
-          <p:nvPr/>
-        </p:nvPicPr>
-        <p:blipFill>
-          <a:blip r:embed="rId4"/>
-          <a:stretch>
-            <a:fillRect/>
-          </a:stretch>
-        </p:blipFill>
-        <p:spPr>
-          <a:xfrm>
-            <a:off x="5520730" y="1187573"/>
-            <a:ext cx="6671270" cy="3369159"/>
-          </a:xfrm>
-          <a:prstGeom prst="rect">
-            <a:avLst/>
-          </a:prstGeom>
-        </p:spPr>
-      </p:pic>
-    </p:spTree>
-    <p:extLst>
-      <p:ext uri="{BB962C8B-B14F-4D97-AF65-F5344CB8AC3E}">
-        <p14:creationId xmlns:p14="http://schemas.microsoft.com/office/powerpoint/2010/main" val="826052059"/>
-      </p:ext>
-    </p:extLst>
-  </p:cSld>
-  <p:clrMapOvr>
-    <a:masterClrMapping/>
-  </p:clrMapOvr>
-</p:sld>
-</file>
-
-<file path=ppt/slides/slide5.xml><?xml version="1.0" encoding="utf-8"?>
-<p:sld xmlns:a="http://schemas.openxmlformats.org/drawingml/2006/main" xmlns:r="http://schemas.openxmlformats.org/officeDocument/2006/relationships" xmlns:p="http://schemas.openxmlformats.org/presentationml/2006/main">
-  <p:cSld>
-    <p:spTree>
-      <p:nvGrpSpPr>
-        <p:cNvPr id="1" name=""/>
-        <p:cNvGrpSpPr/>
-        <p:nvPr/>
-      </p:nvGrpSpPr>
-      <p:grpSpPr>
-        <a:xfrm>
-          <a:off x="0" y="0"/>
-          <a:ext cx="0" cy="0"/>
-          <a:chOff x="0" y="0"/>
-          <a:chExt cx="0" cy="0"/>
-        </a:xfrm>
-      </p:grpSpPr>
-      <p:sp>
-        <p:nvSpPr>
-          <p:cNvPr id="2" name="Title 1">
-            <a:extLst>
-              <a:ext uri="{FF2B5EF4-FFF2-40B4-BE49-F238E27FC236}">
-                <a16:creationId xmlns:a16="http://schemas.microsoft.com/office/drawing/2014/main" id="{A34DBCF4-6209-4DD9-A88B-D67C3D55762E}"/>
-              </a:ext>
-            </a:extLst>
-          </p:cNvPr>
-          <p:cNvSpPr>
-            <a:spLocks noGrp="1"/>
-          </p:cNvSpPr>
-          <p:nvPr>
-            <p:ph type="title"/>
-          </p:nvPr>
-        </p:nvSpPr>
-        <p:spPr>
-          <a:xfrm>
-            <a:off x="252944" y="170236"/>
-            <a:ext cx="5384136" cy="430887"/>
-          </a:xfrm>
-        </p:spPr>
-        <p:txBody>
-          <a:bodyPr>
-            <a:normAutofit fontScale="90000"/>
-          </a:bodyPr>
-          <a:lstStyle/>
-          <a:p>
-            <a:r>
-              <a:rPr lang="en-US" sz="2800" dirty="0"/>
-              <a:t>Install VS Code</a:t>
-            </a:r>
-            <a:endParaRPr lang="en-IN" sz="2800" dirty="0"/>
-          </a:p>
-        </p:txBody>
-      </p:sp>
-      <p:sp>
-        <p:nvSpPr>
-          <p:cNvPr id="48" name="TextBox 47">
-            <a:extLst>
-              <a:ext uri="{FF2B5EF4-FFF2-40B4-BE49-F238E27FC236}">
-                <a16:creationId xmlns:a16="http://schemas.microsoft.com/office/drawing/2014/main" id="{F087709B-32EE-4A47-9724-563677276C38}"/>
-              </a:ext>
-            </a:extLst>
-          </p:cNvPr>
-          <p:cNvSpPr txBox="1"/>
-          <p:nvPr/>
-        </p:nvSpPr>
-        <p:spPr>
-          <a:xfrm>
-            <a:off x="252944" y="836712"/>
-            <a:ext cx="4978960" cy="5909310"/>
-          </a:xfrm>
-          <a:prstGeom prst="rect">
-            <a:avLst/>
-          </a:prstGeom>
-          <a:noFill/>
-        </p:spPr>
-        <p:txBody>
-          <a:bodyPr wrap="square">
-            <a:spAutoFit/>
-          </a:bodyPr>
-          <a:lstStyle/>
-          <a:p>
-            <a:pPr marL="285750" indent="-285750">
-              <a:lnSpc>
-                <a:spcPct val="200000"/>
-              </a:lnSpc>
-              <a:buClr>
-                <a:srgbClr val="009FDF"/>
-              </a:buClr>
-              <a:buSzPct val="100000"/>
-              <a:buFont typeface="Wingdings" panose="05000000000000000000" pitchFamily="2" charset="2"/>
-              <a:buChar char="Ø"/>
-            </a:pPr>
-            <a:r>
-              <a:rPr lang="en-US" dirty="0"/>
-              <a:t>Go to the download </a:t>
-            </a:r>
-            <a:r>
-              <a:rPr lang="en-US" dirty="0">
-                <a:hlinkClick r:id="rId2"/>
-              </a:rPr>
-              <a:t>link</a:t>
-            </a:r>
-            <a:r>
-              <a:rPr lang="en-US" dirty="0"/>
-              <a:t> and click the windows download icon</a:t>
-            </a:r>
-          </a:p>
-          <a:p>
-            <a:pPr marL="285750" indent="-285750">
-              <a:lnSpc>
-                <a:spcPct val="200000"/>
-              </a:lnSpc>
-              <a:buClr>
-                <a:srgbClr val="009FDF"/>
-              </a:buClr>
-              <a:buSzPct val="100000"/>
-              <a:buFont typeface="Wingdings" panose="05000000000000000000" pitchFamily="2" charset="2"/>
-              <a:buChar char="Ø"/>
-            </a:pPr>
-            <a:r>
-              <a:rPr lang="en-US" dirty="0"/>
-              <a:t>Open the VS Code installer and click “I accept the agreement” then Next checkbox and click Install now</a:t>
-            </a:r>
-          </a:p>
-          <a:p>
-            <a:pPr marL="285750" indent="-285750">
-              <a:lnSpc>
-                <a:spcPct val="200000"/>
-              </a:lnSpc>
-              <a:buClr>
-                <a:srgbClr val="009FDF"/>
-              </a:buClr>
-              <a:buSzPct val="100000"/>
-              <a:buFont typeface="Wingdings" panose="05000000000000000000" pitchFamily="2" charset="2"/>
-              <a:buChar char="Ø"/>
-            </a:pPr>
-            <a:r>
-              <a:rPr lang="en-US" dirty="0"/>
-              <a:t>Click Next until Install button appears then click install</a:t>
-            </a:r>
-          </a:p>
-          <a:p>
-            <a:pPr marL="285750" indent="-285750">
-              <a:lnSpc>
-                <a:spcPct val="200000"/>
-              </a:lnSpc>
-              <a:buClr>
-                <a:srgbClr val="009FDF"/>
-              </a:buClr>
-              <a:buSzPct val="100000"/>
-              <a:buFont typeface="Wingdings" panose="05000000000000000000" pitchFamily="2" charset="2"/>
-              <a:buChar char="Ø"/>
-            </a:pPr>
-            <a:r>
-              <a:rPr lang="en-US" dirty="0"/>
-              <a:t>Once installation is done close the installer and open the installed visual studio code app</a:t>
-            </a:r>
-          </a:p>
-          <a:p>
-            <a:pPr lvl="1"/>
-            <a:endParaRPr lang="en-US" dirty="0"/>
-          </a:p>
-        </p:txBody>
-      </p:sp>
-      <p:pic>
-        <p:nvPicPr>
-          <p:cNvPr id="4" name="Picture 3">
-            <a:extLst>
-              <a:ext uri="{FF2B5EF4-FFF2-40B4-BE49-F238E27FC236}">
-                <a16:creationId xmlns:a16="http://schemas.microsoft.com/office/drawing/2014/main" id="{ADFFEC53-4B0F-6FDD-8018-9BDEA9E00DE3}"/>
-              </a:ext>
-            </a:extLst>
-          </p:cNvPr>
-          <p:cNvPicPr>
-            <a:picLocks noChangeAspect="1"/>
-          </p:cNvPicPr>
-          <p:nvPr/>
-        </p:nvPicPr>
-        <p:blipFill>
-          <a:blip r:embed="rId3"/>
-          <a:stretch>
-            <a:fillRect/>
-          </a:stretch>
-        </p:blipFill>
-        <p:spPr>
-          <a:xfrm>
-            <a:off x="5814637" y="1713828"/>
-            <a:ext cx="6338316" cy="2520280"/>
-          </a:xfrm>
-          <a:prstGeom prst="rect">
-            <a:avLst/>
-          </a:prstGeom>
-        </p:spPr>
-      </p:pic>
-    </p:spTree>
-    <p:extLst>
-      <p:ext uri="{BB962C8B-B14F-4D97-AF65-F5344CB8AC3E}">
-        <p14:creationId xmlns:p14="http://schemas.microsoft.com/office/powerpoint/2010/main" val="2576740084"/>
-      </p:ext>
-    </p:extLst>
-  </p:cSld>
-  <p:clrMapOvr>
-    <a:masterClrMapping/>
-  </p:clrMapOvr>
-</p:sld>
-</file>
-
-<file path=ppt/slides/slide6.xml><?xml version="1.0" encoding="utf-8"?>
-<p:sld xmlns:a="http://schemas.openxmlformats.org/drawingml/2006/main" xmlns:r="http://schemas.openxmlformats.org/officeDocument/2006/relationships" xmlns:p="http://schemas.openxmlformats.org/presentationml/2006/main">
-  <p:cSld>
-    <p:spTree>
-      <p:nvGrpSpPr>
-        <p:cNvPr id="1" name=""/>
-        <p:cNvGrpSpPr/>
-        <p:nvPr/>
-      </p:nvGrpSpPr>
-      <p:grpSpPr>
-        <a:xfrm>
-          <a:off x="0" y="0"/>
-          <a:ext cx="0" cy="0"/>
-          <a:chOff x="0" y="0"/>
-          <a:chExt cx="0" cy="0"/>
-        </a:xfrm>
-      </p:grpSpPr>
-      <p:sp>
-        <p:nvSpPr>
-          <p:cNvPr id="2" name="Title 1">
-            <a:extLst>
-              <a:ext uri="{FF2B5EF4-FFF2-40B4-BE49-F238E27FC236}">
-                <a16:creationId xmlns:a16="http://schemas.microsoft.com/office/drawing/2014/main" id="{A34DBCF4-6209-4DD9-A88B-D67C3D55762E}"/>
-              </a:ext>
-            </a:extLst>
-          </p:cNvPr>
-          <p:cNvSpPr>
-            <a:spLocks noGrp="1"/>
-          </p:cNvSpPr>
-          <p:nvPr>
-            <p:ph type="title"/>
-          </p:nvPr>
-        </p:nvSpPr>
-        <p:spPr>
-          <a:xfrm>
-            <a:off x="252944" y="170236"/>
-            <a:ext cx="6059080" cy="861774"/>
-          </a:xfrm>
-        </p:spPr>
-        <p:txBody>
-          <a:bodyPr/>
-          <a:lstStyle/>
-          <a:p>
-            <a:r>
-              <a:rPr lang="en-US" sz="2800" dirty="0"/>
-              <a:t>Install Python interpreter in VS Code</a:t>
-            </a:r>
-            <a:endParaRPr lang="en-IN" sz="2800" dirty="0"/>
-          </a:p>
-        </p:txBody>
-      </p:sp>
-      <p:sp>
-        <p:nvSpPr>
-          <p:cNvPr id="48" name="TextBox 47">
-            <a:extLst>
-              <a:ext uri="{FF2B5EF4-FFF2-40B4-BE49-F238E27FC236}">
-                <a16:creationId xmlns:a16="http://schemas.microsoft.com/office/drawing/2014/main" id="{F087709B-32EE-4A47-9724-563677276C38}"/>
-              </a:ext>
-            </a:extLst>
-          </p:cNvPr>
-          <p:cNvSpPr txBox="1"/>
-          <p:nvPr/>
-        </p:nvSpPr>
-        <p:spPr>
-          <a:xfrm>
-            <a:off x="252944" y="836712"/>
-            <a:ext cx="4978960" cy="3693319"/>
-          </a:xfrm>
-          <a:prstGeom prst="rect">
-            <a:avLst/>
-          </a:prstGeom>
-          <a:noFill/>
-        </p:spPr>
-        <p:txBody>
-          <a:bodyPr wrap="square">
-            <a:spAutoFit/>
-          </a:bodyPr>
-          <a:lstStyle/>
-          <a:p>
-            <a:pPr marL="285750" indent="-285750">
-              <a:lnSpc>
-                <a:spcPct val="200000"/>
-              </a:lnSpc>
-              <a:buClr>
-                <a:srgbClr val="009FDF"/>
-              </a:buClr>
-              <a:buSzPct val="100000"/>
-              <a:buFont typeface="Wingdings" panose="05000000000000000000" pitchFamily="2" charset="2"/>
-              <a:buChar char="Ø"/>
-            </a:pPr>
-            <a:r>
-              <a:rPr lang="en-US" dirty="0"/>
-              <a:t>Open VS Code</a:t>
-            </a:r>
-          </a:p>
-          <a:p>
-            <a:pPr marL="285750" indent="-285750">
-              <a:lnSpc>
-                <a:spcPct val="200000"/>
-              </a:lnSpc>
-              <a:buClr>
-                <a:srgbClr val="009FDF"/>
-              </a:buClr>
-              <a:buSzPct val="100000"/>
-              <a:buFont typeface="Wingdings" panose="05000000000000000000" pitchFamily="2" charset="2"/>
-              <a:buChar char="Ø"/>
-            </a:pPr>
-            <a:r>
-              <a:rPr lang="en-US" dirty="0"/>
-              <a:t>Click on the “Extensions” Icon from the left side bar</a:t>
-            </a:r>
-          </a:p>
-          <a:p>
-            <a:pPr marL="285750" indent="-285750">
-              <a:lnSpc>
-                <a:spcPct val="200000"/>
-              </a:lnSpc>
-              <a:buClr>
-                <a:srgbClr val="009FDF"/>
-              </a:buClr>
-              <a:buSzPct val="100000"/>
-              <a:buFont typeface="Wingdings" panose="05000000000000000000" pitchFamily="2" charset="2"/>
-              <a:buChar char="Ø"/>
-            </a:pPr>
-            <a:r>
-              <a:rPr lang="en-US" dirty="0"/>
-              <a:t>Type “Python” in the search box  and click the first search result</a:t>
-            </a:r>
-          </a:p>
-          <a:p>
-            <a:pPr marL="285750" indent="-285750">
-              <a:lnSpc>
-                <a:spcPct val="200000"/>
-              </a:lnSpc>
-              <a:buClr>
-                <a:srgbClr val="009FDF"/>
-              </a:buClr>
-              <a:buSzPct val="100000"/>
-              <a:buFont typeface="Wingdings" panose="05000000000000000000" pitchFamily="2" charset="2"/>
-              <a:buChar char="Ø"/>
-            </a:pPr>
-            <a:r>
-              <a:rPr lang="en-US" dirty="0"/>
-              <a:t>Click install </a:t>
-            </a:r>
-          </a:p>
-          <a:p>
-            <a:pPr lvl="1"/>
-            <a:endParaRPr lang="en-US" dirty="0"/>
-          </a:p>
-        </p:txBody>
-      </p:sp>
-      <p:pic>
-        <p:nvPicPr>
-          <p:cNvPr id="4" name="Picture 3">
-            <a:extLst>
-              <a:ext uri="{FF2B5EF4-FFF2-40B4-BE49-F238E27FC236}">
-                <a16:creationId xmlns:a16="http://schemas.microsoft.com/office/drawing/2014/main" id="{B07D1ABB-C433-968A-E6C0-18B069361E9D}"/>
-              </a:ext>
-            </a:extLst>
-          </p:cNvPr>
-          <p:cNvPicPr>
-            <a:picLocks noChangeAspect="1"/>
-          </p:cNvPicPr>
-          <p:nvPr/>
-        </p:nvPicPr>
-        <p:blipFill>
-          <a:blip r:embed="rId2"/>
-          <a:stretch>
-            <a:fillRect/>
-          </a:stretch>
-        </p:blipFill>
-        <p:spPr>
-          <a:xfrm>
-            <a:off x="6023992" y="764705"/>
-            <a:ext cx="5809905" cy="2520280"/>
-          </a:xfrm>
-          <a:prstGeom prst="rect">
-            <a:avLst/>
-          </a:prstGeom>
-        </p:spPr>
-      </p:pic>
-      <p:pic>
-        <p:nvPicPr>
-          <p:cNvPr id="10" name="Picture 9">
-            <a:extLst>
-              <a:ext uri="{FF2B5EF4-FFF2-40B4-BE49-F238E27FC236}">
-                <a16:creationId xmlns:a16="http://schemas.microsoft.com/office/drawing/2014/main" id="{6EB2C3D2-D27D-0D14-4199-1972F7B46C49}"/>
-              </a:ext>
-            </a:extLst>
-          </p:cNvPr>
-          <p:cNvPicPr>
-            <a:picLocks noChangeAspect="1"/>
-          </p:cNvPicPr>
-          <p:nvPr/>
-        </p:nvPicPr>
-        <p:blipFill rotWithShape="1">
-          <a:blip r:embed="rId3"/>
-          <a:srcRect t="25850" r="31260" b="51050"/>
-          <a:stretch/>
-        </p:blipFill>
-        <p:spPr>
-          <a:xfrm>
-            <a:off x="6023992" y="3861048"/>
-            <a:ext cx="5986604" cy="1584176"/>
-          </a:xfrm>
-          <a:prstGeom prst="rect">
-            <a:avLst/>
-          </a:prstGeom>
-        </p:spPr>
-      </p:pic>
-    </p:spTree>
-    <p:extLst>
-      <p:ext uri="{BB962C8B-B14F-4D97-AF65-F5344CB8AC3E}">
-        <p14:creationId xmlns:p14="http://schemas.microsoft.com/office/powerpoint/2010/main" val="3668114149"/>
-      </p:ext>
-    </p:extLst>
-  </p:cSld>
-  <p:clrMapOvr>
-    <a:masterClrMapping/>
-  </p:clrMapOvr>
-</p:sld>
-</file>
-
-<file path=ppt/slides/slide7.xml><?xml version="1.0" encoding="utf-8"?>
-<p:sld xmlns:a="http://schemas.openxmlformats.org/drawingml/2006/main" xmlns:r="http://schemas.openxmlformats.org/officeDocument/2006/relationships" xmlns:p="http://schemas.openxmlformats.org/presentationml/2006/main">
-  <p:cSld>
-    <p:spTree>
-      <p:nvGrpSpPr>
-        <p:cNvPr id="1" name=""/>
-        <p:cNvGrpSpPr/>
-        <p:nvPr/>
-      </p:nvGrpSpPr>
-      <p:grpSpPr>
-        <a:xfrm>
-          <a:off x="0" y="0"/>
-          <a:ext cx="0" cy="0"/>
-          <a:chOff x="0" y="0"/>
-          <a:chExt cx="0" cy="0"/>
-        </a:xfrm>
-      </p:grpSpPr>
-      <p:sp>
-        <p:nvSpPr>
-          <p:cNvPr id="2" name="Title 1">
-            <a:extLst>
-              <a:ext uri="{FF2B5EF4-FFF2-40B4-BE49-F238E27FC236}">
-                <a16:creationId xmlns:a16="http://schemas.microsoft.com/office/drawing/2014/main" id="{A34DBCF4-6209-4DD9-A88B-D67C3D55762E}"/>
-              </a:ext>
-            </a:extLst>
-          </p:cNvPr>
-          <p:cNvSpPr>
-            <a:spLocks noGrp="1"/>
-          </p:cNvSpPr>
-          <p:nvPr>
-            <p:ph type="title"/>
-          </p:nvPr>
-        </p:nvSpPr>
-        <p:spPr>
-          <a:xfrm>
-            <a:off x="252944" y="170236"/>
-            <a:ext cx="6059080" cy="861774"/>
-          </a:xfrm>
-        </p:spPr>
-        <p:txBody>
-          <a:bodyPr/>
-          <a:lstStyle/>
-          <a:p>
-            <a:r>
-              <a:rPr lang="en-US" sz="2800" dirty="0"/>
-              <a:t>Install Python interpreter in VS Code</a:t>
-            </a:r>
-            <a:endParaRPr lang="en-IN" sz="2800" dirty="0"/>
-          </a:p>
-        </p:txBody>
-      </p:sp>
-      <p:sp>
-        <p:nvSpPr>
-          <p:cNvPr id="48" name="TextBox 47">
-            <a:extLst>
-              <a:ext uri="{FF2B5EF4-FFF2-40B4-BE49-F238E27FC236}">
-                <a16:creationId xmlns:a16="http://schemas.microsoft.com/office/drawing/2014/main" id="{F087709B-32EE-4A47-9724-563677276C38}"/>
-              </a:ext>
-            </a:extLst>
-          </p:cNvPr>
-          <p:cNvSpPr txBox="1"/>
-          <p:nvPr/>
-        </p:nvSpPr>
-        <p:spPr>
-          <a:xfrm>
-            <a:off x="252944" y="836712"/>
-            <a:ext cx="4978960" cy="3139321"/>
-          </a:xfrm>
-          <a:prstGeom prst="rect">
-            <a:avLst/>
-          </a:prstGeom>
-          <a:noFill/>
-        </p:spPr>
-        <p:txBody>
-          <a:bodyPr wrap="square">
-            <a:spAutoFit/>
-          </a:bodyPr>
-          <a:lstStyle/>
-          <a:p>
-            <a:pPr marL="285750" indent="-285750">
-              <a:lnSpc>
-                <a:spcPct val="200000"/>
-              </a:lnSpc>
-              <a:buClr>
-                <a:srgbClr val="009FDF"/>
-              </a:buClr>
-              <a:buSzPct val="100000"/>
-              <a:buFont typeface="Wingdings" panose="05000000000000000000" pitchFamily="2" charset="2"/>
-              <a:buChar char="Ø"/>
-            </a:pPr>
-            <a:r>
-              <a:rPr lang="en-US" dirty="0"/>
-              <a:t>Press </a:t>
-            </a:r>
-            <a:r>
-              <a:rPr lang="en-US" dirty="0" err="1"/>
-              <a:t>Shift+Ctrl+P</a:t>
-            </a:r>
-            <a:r>
-              <a:rPr lang="en-US" dirty="0"/>
-              <a:t> </a:t>
-            </a:r>
-            <a:r>
-              <a:rPr lang="en-US" dirty="0" err="1"/>
-              <a:t>simultaneousl,y</a:t>
-            </a:r>
-            <a:r>
-              <a:rPr lang="en-US" dirty="0"/>
-              <a:t> a window will pop up</a:t>
-            </a:r>
-          </a:p>
-          <a:p>
-            <a:pPr marL="285750" indent="-285750">
-              <a:lnSpc>
-                <a:spcPct val="200000"/>
-              </a:lnSpc>
-              <a:buClr>
-                <a:srgbClr val="009FDF"/>
-              </a:buClr>
-              <a:buSzPct val="100000"/>
-              <a:buFont typeface="Wingdings" panose="05000000000000000000" pitchFamily="2" charset="2"/>
-              <a:buChar char="Ø"/>
-            </a:pPr>
-            <a:r>
-              <a:rPr lang="en-US" dirty="0"/>
-              <a:t>Type “Python Interpreter” and click the first search result</a:t>
-            </a:r>
-          </a:p>
-          <a:p>
-            <a:pPr marL="285750" indent="-285750">
-              <a:lnSpc>
-                <a:spcPct val="200000"/>
-              </a:lnSpc>
-              <a:buClr>
-                <a:srgbClr val="009FDF"/>
-              </a:buClr>
-              <a:buSzPct val="100000"/>
-              <a:buFont typeface="Wingdings" panose="05000000000000000000" pitchFamily="2" charset="2"/>
-              <a:buChar char="Ø"/>
-            </a:pPr>
-            <a:r>
-              <a:rPr lang="en-US" dirty="0"/>
-              <a:t>Select the installed python interpreter path </a:t>
-            </a:r>
-          </a:p>
-          <a:p>
-            <a:pPr lvl="1"/>
-            <a:endParaRPr lang="en-US" dirty="0"/>
-          </a:p>
-        </p:txBody>
-      </p:sp>
-      <p:pic>
-        <p:nvPicPr>
-          <p:cNvPr id="9" name="Picture 8">
-            <a:extLst>
-              <a:ext uri="{FF2B5EF4-FFF2-40B4-BE49-F238E27FC236}">
-                <a16:creationId xmlns:a16="http://schemas.microsoft.com/office/drawing/2014/main" id="{A046D1EA-E6C0-CE71-606F-44CEF6E966C8}"/>
-              </a:ext>
-            </a:extLst>
-          </p:cNvPr>
-          <p:cNvPicPr>
-            <a:picLocks noChangeAspect="1"/>
-          </p:cNvPicPr>
-          <p:nvPr/>
-        </p:nvPicPr>
-        <p:blipFill>
-          <a:blip r:embed="rId2"/>
-          <a:stretch>
-            <a:fillRect/>
-          </a:stretch>
-        </p:blipFill>
-        <p:spPr>
-          <a:xfrm>
-            <a:off x="5303912" y="1394763"/>
-            <a:ext cx="6796532" cy="2012450"/>
-          </a:xfrm>
-          <a:prstGeom prst="rect">
-            <a:avLst/>
-          </a:prstGeom>
-        </p:spPr>
-      </p:pic>
-    </p:spTree>
-    <p:extLst>
-      <p:ext uri="{BB962C8B-B14F-4D97-AF65-F5344CB8AC3E}">
-        <p14:creationId xmlns:p14="http://schemas.microsoft.com/office/powerpoint/2010/main" val="1610300679"/>
-      </p:ext>
-    </p:extLst>
-  </p:cSld>
-  <p:clrMapOvr>
-    <a:masterClrMapping/>
-  </p:clrMapOvr>
-</p:sld>
-</file>
-
-<file path=ppt/slides/slide8.xml><?xml version="1.0" encoding="utf-8"?>
-<p:sld xmlns:a="http://schemas.openxmlformats.org/drawingml/2006/main" xmlns:r="http://schemas.openxmlformats.org/officeDocument/2006/relationships" xmlns:p="http://schemas.openxmlformats.org/presentationml/2006/main">
-  <p:cSld>
-    <p:spTree>
-      <p:nvGrpSpPr>
-        <p:cNvPr id="1" name=""/>
-        <p:cNvGrpSpPr/>
-        <p:nvPr/>
-      </p:nvGrpSpPr>
-      <p:grpSpPr>
-        <a:xfrm>
-          <a:off x="0" y="0"/>
-          <a:ext cx="0" cy="0"/>
-          <a:chOff x="0" y="0"/>
-          <a:chExt cx="0" cy="0"/>
-        </a:xfrm>
-      </p:grpSpPr>
-      <p:sp>
-        <p:nvSpPr>
-          <p:cNvPr id="2" name="Title 1">
-            <a:extLst>
-              <a:ext uri="{FF2B5EF4-FFF2-40B4-BE49-F238E27FC236}">
-                <a16:creationId xmlns:a16="http://schemas.microsoft.com/office/drawing/2014/main" id="{590A3669-FC20-A360-44D8-83789DD6BEE5}"/>
-              </a:ext>
-            </a:extLst>
-          </p:cNvPr>
-          <p:cNvSpPr>
-            <a:spLocks noGrp="1"/>
-          </p:cNvSpPr>
-          <p:nvPr>
-            <p:ph type="title"/>
-          </p:nvPr>
-        </p:nvSpPr>
-        <p:spPr/>
-        <p:txBody>
-          <a:bodyPr/>
-          <a:lstStyle/>
-          <a:p>
-            <a:r>
-              <a:rPr lang="en-US" dirty="0">
-                <a:cs typeface="Calibri" panose="020F0502020204030204" pitchFamily="34" charset="0"/>
-              </a:rPr>
-              <a:t>Topic Week 2</a:t>
-            </a:r>
-            <a:endParaRPr lang="en-IN" dirty="0"/>
-          </a:p>
-        </p:txBody>
-      </p:sp>
-      <p:sp>
-        <p:nvSpPr>
-          <p:cNvPr id="3" name="Content Placeholder 2">
-            <a:extLst>
-              <a:ext uri="{FF2B5EF4-FFF2-40B4-BE49-F238E27FC236}">
-                <a16:creationId xmlns:a16="http://schemas.microsoft.com/office/drawing/2014/main" id="{68FDFF87-6288-B2D0-832B-42615EAC0407}"/>
-              </a:ext>
-            </a:extLst>
-          </p:cNvPr>
-          <p:cNvSpPr>
-            <a:spLocks noGrp="1"/>
-          </p:cNvSpPr>
-          <p:nvPr>
-            <p:ph idx="1"/>
-          </p:nvPr>
-        </p:nvSpPr>
-        <p:spPr/>
-        <p:txBody>
-          <a:bodyPr/>
-          <a:lstStyle/>
-          <a:p>
-            <a:endParaRPr lang="en-IN"/>
-          </a:p>
-        </p:txBody>
-      </p:sp>
-    </p:spTree>
-    <p:extLst>
-      <p:ext uri="{BB962C8B-B14F-4D97-AF65-F5344CB8AC3E}">
-        <p14:creationId xmlns:p14="http://schemas.microsoft.com/office/powerpoint/2010/main" val="1523986440"/>
-      </p:ext>
-    </p:extLst>
-  </p:cSld>
-  <p:clrMapOvr>
-    <a:masterClrMapping/>
-  </p:clrMapOvr>
-</p:sld>
-</file>
-
-<file path=ppt/slides/slide9.xml><?xml version="1.0" encoding="utf-8"?>
-<p:sld xmlns:a="http://schemas.openxmlformats.org/drawingml/2006/main" xmlns:r="http://schemas.openxmlformats.org/officeDocument/2006/relationships" xmlns:p="http://schemas.openxmlformats.org/presentationml/2006/main">
-  <p:cSld>
-    <p:spTree>
-      <p:nvGrpSpPr>
-        <p:cNvPr id="1" name=""/>
-        <p:cNvGrpSpPr/>
-        <p:nvPr/>
-      </p:nvGrpSpPr>
-      <p:grpSpPr>
-        <a:xfrm>
-          <a:off x="0" y="0"/>
-          <a:ext cx="0" cy="0"/>
-          <a:chOff x="0" y="0"/>
-          <a:chExt cx="0" cy="0"/>
-        </a:xfrm>
-      </p:grpSpPr>
-      <p:sp>
-        <p:nvSpPr>
-          <p:cNvPr id="2" name="Title 1">
-            <a:extLst>
-              <a:ext uri="{FF2B5EF4-FFF2-40B4-BE49-F238E27FC236}">
-                <a16:creationId xmlns:a16="http://schemas.microsoft.com/office/drawing/2014/main" id="{590A3669-FC20-A360-44D8-83789DD6BEE5}"/>
-              </a:ext>
-            </a:extLst>
-          </p:cNvPr>
-          <p:cNvSpPr>
-            <a:spLocks noGrp="1"/>
-          </p:cNvSpPr>
-          <p:nvPr>
-            <p:ph type="title"/>
-          </p:nvPr>
-        </p:nvSpPr>
-        <p:spPr/>
-        <p:txBody>
-          <a:bodyPr/>
-          <a:lstStyle/>
-          <a:p>
-            <a:r>
-              <a:rPr lang="en-US" dirty="0">
-                <a:cs typeface="Calibri" panose="020F0502020204030204" pitchFamily="34" charset="0"/>
-              </a:rPr>
-              <a:t>Agenda Week 3</a:t>
-            </a:r>
-            <a:endParaRPr lang="en-IN" dirty="0"/>
-          </a:p>
-        </p:txBody>
-      </p:sp>
-      <p:sp>
-        <p:nvSpPr>
-          <p:cNvPr id="3" name="Content Placeholder 2">
-            <a:extLst>
-              <a:ext uri="{FF2B5EF4-FFF2-40B4-BE49-F238E27FC236}">
-                <a16:creationId xmlns:a16="http://schemas.microsoft.com/office/drawing/2014/main" id="{68FDFF87-6288-B2D0-832B-42615EAC0407}"/>
-              </a:ext>
-            </a:extLst>
-          </p:cNvPr>
-          <p:cNvSpPr>
-            <a:spLocks noGrp="1"/>
-          </p:cNvSpPr>
-          <p:nvPr>
-            <p:ph idx="1"/>
-          </p:nvPr>
-        </p:nvSpPr>
-        <p:spPr/>
-        <p:txBody>
-          <a:bodyPr/>
-          <a:lstStyle/>
-          <a:p>
-            <a:endParaRPr lang="en-IN"/>
-          </a:p>
-        </p:txBody>
-      </p:sp>
-      <p:sp>
-        <p:nvSpPr>
-          <p:cNvPr id="4" name="Rectangle 3">
-            <a:extLst>
-              <a:ext uri="{FF2B5EF4-FFF2-40B4-BE49-F238E27FC236}">
-                <a16:creationId xmlns:a16="http://schemas.microsoft.com/office/drawing/2014/main" id="{E36F99FA-A81D-D3CA-3420-805BBBE29EFB}"/>
-              </a:ext>
-            </a:extLst>
-          </p:cNvPr>
-          <p:cNvSpPr/>
-          <p:nvPr/>
-        </p:nvSpPr>
-        <p:spPr>
-          <a:xfrm>
-            <a:off x="8203272" y="4162960"/>
-            <a:ext cx="2907587" cy="1746607"/>
-          </a:xfrm>
-          <a:prstGeom prst="rect">
-            <a:avLst/>
-          </a:prstGeom>
-          <a:solidFill>
-            <a:schemeClr val="accent2"/>
-          </a:solidFill>
-          <a:ln>
-            <a:noFill/>
-          </a:ln>
-        </p:spPr>
-        <p:style>
-          <a:lnRef idx="2">
-            <a:schemeClr val="accent1">
-              <a:shade val="50000"/>
-            </a:schemeClr>
-          </a:lnRef>
-          <a:fillRef idx="1">
-            <a:schemeClr val="accent1"/>
-          </a:fillRef>
-          <a:effectRef idx="0">
-            <a:schemeClr val="accent1"/>
-          </a:effectRef>
-          <a:fontRef idx="minor">
-            <a:schemeClr val="lt1"/>
-          </a:fontRef>
-        </p:style>
-        <p:txBody>
-          <a:bodyPr rtlCol="0" anchor="ctr"/>
-          <a:lstStyle/>
-          <a:p>
-            <a:r>
-              <a:rPr lang="en-US" dirty="0"/>
-              <a:t>Tip: Use infographics,</a:t>
-            </a:r>
-          </a:p>
-          <a:p>
-            <a:r>
-              <a:rPr lang="en-US" dirty="0"/>
-              <a:t>Smart Art,</a:t>
-            </a:r>
-          </a:p>
-          <a:p>
-            <a:r>
-              <a:rPr lang="en-US" dirty="0"/>
-              <a:t>Images/Screens,</a:t>
-            </a:r>
-          </a:p>
-          <a:p>
-            <a:r>
-              <a:rPr lang="en-US" dirty="0"/>
-              <a:t>Embed relevant learning videos/case study</a:t>
-            </a:r>
-            <a:endParaRPr lang="en-IN" dirty="0"/>
-          </a:p>
-        </p:txBody>
-      </p:sp>
-    </p:spTree>
-    <p:extLst>
-      <p:ext uri="{BB962C8B-B14F-4D97-AF65-F5344CB8AC3E}">
-        <p14:creationId xmlns:p14="http://schemas.microsoft.com/office/powerpoint/2010/main" val="3498668593"/>
+        <p14:creationId xmlns:p14="http://schemas.microsoft.com/office/powerpoint/2010/main" val="2411495771"/>
       </p:ext>
     </p:extLst>
   </p:cSld>
@@ -7450,15 +4173,6 @@
 </file>
 
 <file path=customXml/item1.xml><?xml version="1.0" encoding="utf-8"?>
-<?mso-contentType ?>
-<FormTemplates xmlns="http://schemas.microsoft.com/sharepoint/v3/contenttype/forms">
-  <Display>DocumentLibraryForm</Display>
-  <Edit>DocumentLibraryForm</Edit>
-  <New>DocumentLibraryForm</New>
-</FormTemplates>
-</file>
-
-<file path=customXml/item2.xml><?xml version="1.0" encoding="utf-8"?>
 <p:properties xmlns:p="http://schemas.microsoft.com/office/2006/metadata/properties" xmlns:xsi="http://www.w3.org/2001/XMLSchema-instance" xmlns:pc="http://schemas.microsoft.com/office/infopath/2007/PartnerControls">
   <documentManagement>
     <_activity xmlns="46ccd29f-f70d-4609-a317-8968d41a404d" xsi:nil="true"/>
@@ -7466,7 +4180,7 @@
 </p:properties>
 </file>
 
-<file path=customXml/item3.xml><?xml version="1.0" encoding="utf-8"?>
+<file path=customXml/item2.xml><?xml version="1.0" encoding="utf-8"?>
 <ct:contentTypeSchema xmlns:ct="http://schemas.microsoft.com/office/2006/metadata/contentType" xmlns:ma="http://schemas.microsoft.com/office/2006/metadata/properties/metaAttributes" ct:_="" ma:_="" ma:contentTypeName="Document" ma:contentTypeID="0x010100E6AAEA0FB2DF124395BB30136811E0F6" ma:contentTypeVersion="12" ma:contentTypeDescription="Create a new document." ma:contentTypeScope="" ma:versionID="bf34af3db09d99911fe43e5f817c16f4">
   <xsd:schema xmlns:xsd="http://www.w3.org/2001/XMLSchema" xmlns:xs="http://www.w3.org/2001/XMLSchema" xmlns:p="http://schemas.microsoft.com/office/2006/metadata/properties" xmlns:ns3="46ccd29f-f70d-4609-a317-8968d41a404d" xmlns:ns4="347dcaf8-0ddc-426e-8eaa-fa982e2d5739" targetNamespace="http://schemas.microsoft.com/office/2006/metadata/properties" ma:root="true" ma:fieldsID="0c108ae30d7427021d65d16ed5a618e8" ns3:_="" ns4:_="">
     <xsd:import namespace="46ccd29f-f70d-4609-a317-8968d41a404d"/>
@@ -7681,15 +4395,16 @@
 </ct:contentTypeSchema>
 </file>
 
-<file path=customXml/itemProps1.xml><?xml version="1.0" encoding="utf-8"?>
-<ds:datastoreItem xmlns:ds="http://schemas.openxmlformats.org/officeDocument/2006/customXml" ds:itemID="{BA9CBFD2-4135-4725-BBEC-E27ABA88DCD4}">
-  <ds:schemaRefs>
-    <ds:schemaRef ds:uri="http://schemas.microsoft.com/sharepoint/v3/contenttype/forms"/>
-  </ds:schemaRefs>
-</ds:datastoreItem>
+<file path=customXml/item3.xml><?xml version="1.0" encoding="utf-8"?>
+<?mso-contentType ?>
+<FormTemplates xmlns="http://schemas.microsoft.com/sharepoint/v3/contenttype/forms">
+  <Display>DocumentLibraryForm</Display>
+  <Edit>DocumentLibraryForm</Edit>
+  <New>DocumentLibraryForm</New>
+</FormTemplates>
 </file>
 
-<file path=customXml/itemProps2.xml><?xml version="1.0" encoding="utf-8"?>
+<file path=customXml/itemProps1.xml><?xml version="1.0" encoding="utf-8"?>
 <ds:datastoreItem xmlns:ds="http://schemas.openxmlformats.org/officeDocument/2006/customXml" ds:itemID="{0BE9AD36-30A4-4004-A75D-E267272DE5BC}">
   <ds:schemaRefs>
     <ds:schemaRef ds:uri="http://schemas.microsoft.com/office/2006/documentManagement/types"/>
@@ -7706,7 +4421,7 @@
 </ds:datastoreItem>
 </file>
 
-<file path=customXml/itemProps3.xml><?xml version="1.0" encoding="utf-8"?>
+<file path=customXml/itemProps2.xml><?xml version="1.0" encoding="utf-8"?>
 <ds:datastoreItem xmlns:ds="http://schemas.openxmlformats.org/officeDocument/2006/customXml" ds:itemID="{981E7C9C-D280-4B5D-A722-791933D0C78F}">
   <ds:schemaRefs>
     <ds:schemaRef ds:uri="http://schemas.microsoft.com/office/2006/metadata/contentType"/>
@@ -7723,4 +4438,12 @@
     <ds:schemaRef ds:uri="http://schemas.microsoft.com/internal/obd"/>
   </ds:schemaRefs>
 </ds:datastoreItem>
+</file>
+
+<file path=customXml/itemProps3.xml><?xml version="1.0" encoding="utf-8"?>
+<ds:datastoreItem xmlns:ds="http://schemas.openxmlformats.org/officeDocument/2006/customXml" ds:itemID="{BA9CBFD2-4135-4725-BBEC-E27ABA88DCD4}">
+  <ds:schemaRefs>
+    <ds:schemaRef ds:uri="http://schemas.microsoft.com/sharepoint/v3/contenttype/forms"/>
+  </ds:schemaRefs>
+</ds:datastoreItem>
 </file>